--- a/Slides/Football 3/Footballl_3_Lecture.pptx
+++ b/Slides/Football 3/Footballl_3_Lecture.pptx
@@ -219,7 +219,7 @@
           <a:p>
             <a:fld id="{C04E5E84-956F-4423-97B3-5936A6D8EEEE}" type="datetimeFigureOut">
               <a:rPr lang="en-US" smtClean="0"/>
-              <a:t>10/23/2019</a:t>
+              <a:t>3/28/2021</a:t>
             </a:fld>
             <a:endParaRPr lang="en-US"/>
           </a:p>
@@ -671,7 +671,7 @@
           <a:p>
             <a:fld id="{3881C039-66A3-4640-815B-3B5A8B7D868D}" type="datetimeFigureOut">
               <a:rPr lang="en-US" smtClean="0"/>
-              <a:t>10/23/2019</a:t>
+              <a:t>3/28/2021</a:t>
             </a:fld>
             <a:endParaRPr lang="en-US"/>
           </a:p>
@@ -969,7 +969,7 @@
           <a:p>
             <a:fld id="{3881C039-66A3-4640-815B-3B5A8B7D868D}" type="datetimeFigureOut">
               <a:rPr lang="en-US" smtClean="0"/>
-              <a:t>10/23/2019</a:t>
+              <a:t>3/28/2021</a:t>
             </a:fld>
             <a:endParaRPr lang="en-US"/>
           </a:p>
@@ -1161,7 +1161,7 @@
           <a:p>
             <a:fld id="{3881C039-66A3-4640-815B-3B5A8B7D868D}" type="datetimeFigureOut">
               <a:rPr lang="en-US" smtClean="0"/>
-              <a:t>10/23/2019</a:t>
+              <a:t>3/28/2021</a:t>
             </a:fld>
             <a:endParaRPr lang="en-US"/>
           </a:p>
@@ -1422,7 +1422,7 @@
           <a:p>
             <a:fld id="{3881C039-66A3-4640-815B-3B5A8B7D868D}" type="datetimeFigureOut">
               <a:rPr lang="en-US" smtClean="0"/>
-              <a:t>10/23/2019</a:t>
+              <a:t>3/28/2021</a:t>
             </a:fld>
             <a:endParaRPr lang="en-US"/>
           </a:p>
@@ -1846,7 +1846,7 @@
           <a:p>
             <a:fld id="{3881C039-66A3-4640-815B-3B5A8B7D868D}" type="datetimeFigureOut">
               <a:rPr lang="en-US" smtClean="0"/>
-              <a:t>10/23/2019</a:t>
+              <a:t>3/28/2021</a:t>
             </a:fld>
             <a:endParaRPr lang="en-US"/>
           </a:p>
@@ -2383,7 +2383,7 @@
           <a:p>
             <a:fld id="{3881C039-66A3-4640-815B-3B5A8B7D868D}" type="datetimeFigureOut">
               <a:rPr lang="en-US" smtClean="0"/>
-              <a:t>10/23/2019</a:t>
+              <a:t>3/28/2021</a:t>
             </a:fld>
             <a:endParaRPr lang="en-US"/>
           </a:p>
@@ -3247,7 +3247,7 @@
           <a:p>
             <a:fld id="{3881C039-66A3-4640-815B-3B5A8B7D868D}" type="datetimeFigureOut">
               <a:rPr lang="en-US" smtClean="0"/>
-              <a:t>10/23/2019</a:t>
+              <a:t>3/28/2021</a:t>
             </a:fld>
             <a:endParaRPr lang="en-US"/>
           </a:p>
@@ -3417,7 +3417,7 @@
           <a:p>
             <a:fld id="{3881C039-66A3-4640-815B-3B5A8B7D868D}" type="datetimeFigureOut">
               <a:rPr lang="en-US" smtClean="0"/>
-              <a:t>10/23/2019</a:t>
+              <a:t>3/28/2021</a:t>
             </a:fld>
             <a:endParaRPr lang="en-US"/>
           </a:p>
@@ -3601,7 +3601,7 @@
           <a:p>
             <a:fld id="{3881C039-66A3-4640-815B-3B5A8B7D868D}" type="datetimeFigureOut">
               <a:rPr lang="en-US" smtClean="0"/>
-              <a:t>10/23/2019</a:t>
+              <a:t>3/28/2021</a:t>
             </a:fld>
             <a:endParaRPr lang="en-US"/>
           </a:p>
@@ -3771,7 +3771,7 @@
           <a:p>
             <a:fld id="{3881C039-66A3-4640-815B-3B5A8B7D868D}" type="datetimeFigureOut">
               <a:rPr lang="en-US" smtClean="0"/>
-              <a:t>10/23/2019</a:t>
+              <a:t>3/28/2021</a:t>
             </a:fld>
             <a:endParaRPr lang="en-US"/>
           </a:p>
@@ -4015,7 +4015,7 @@
           <a:p>
             <a:fld id="{3881C039-66A3-4640-815B-3B5A8B7D868D}" type="datetimeFigureOut">
               <a:rPr lang="en-US" smtClean="0"/>
-              <a:t>10/23/2019</a:t>
+              <a:t>3/28/2021</a:t>
             </a:fld>
             <a:endParaRPr lang="en-US"/>
           </a:p>
@@ -4251,7 +4251,7 @@
           <a:p>
             <a:fld id="{3881C039-66A3-4640-815B-3B5A8B7D868D}" type="datetimeFigureOut">
               <a:rPr lang="en-US" smtClean="0"/>
-              <a:t>10/23/2019</a:t>
+              <a:t>3/28/2021</a:t>
             </a:fld>
             <a:endParaRPr lang="en-US"/>
           </a:p>
@@ -4717,7 +4717,7 @@
           <a:p>
             <a:fld id="{3881C039-66A3-4640-815B-3B5A8B7D868D}" type="datetimeFigureOut">
               <a:rPr lang="en-US" smtClean="0"/>
-              <a:t>10/23/2019</a:t>
+              <a:t>3/28/2021</a:t>
             </a:fld>
             <a:endParaRPr lang="en-US"/>
           </a:p>
@@ -4835,7 +4835,7 @@
           <a:p>
             <a:fld id="{3881C039-66A3-4640-815B-3B5A8B7D868D}" type="datetimeFigureOut">
               <a:rPr lang="en-US" smtClean="0"/>
-              <a:t>10/23/2019</a:t>
+              <a:t>3/28/2021</a:t>
             </a:fld>
             <a:endParaRPr lang="en-US"/>
           </a:p>
@@ -4930,7 +4930,7 @@
           <a:p>
             <a:fld id="{3881C039-66A3-4640-815B-3B5A8B7D868D}" type="datetimeFigureOut">
               <a:rPr lang="en-US" smtClean="0"/>
-              <a:t>10/23/2019</a:t>
+              <a:t>3/28/2021</a:t>
             </a:fld>
             <a:endParaRPr lang="en-US"/>
           </a:p>
@@ -5185,7 +5185,7 @@
           <a:p>
             <a:fld id="{3881C039-66A3-4640-815B-3B5A8B7D868D}" type="datetimeFigureOut">
               <a:rPr lang="en-US" smtClean="0"/>
-              <a:t>10/23/2019</a:t>
+              <a:t>3/28/2021</a:t>
             </a:fld>
             <a:endParaRPr lang="en-US"/>
           </a:p>
@@ -5485,7 +5485,7 @@
           <a:p>
             <a:fld id="{3881C039-66A3-4640-815B-3B5A8B7D868D}" type="datetimeFigureOut">
               <a:rPr lang="en-US" smtClean="0"/>
-              <a:t>10/23/2019</a:t>
+              <a:t>3/28/2021</a:t>
             </a:fld>
             <a:endParaRPr lang="en-US"/>
           </a:p>
@@ -5719,7 +5719,7 @@
           <a:p>
             <a:fld id="{3881C039-66A3-4640-815B-3B5A8B7D868D}" type="datetimeFigureOut">
               <a:rPr lang="en-US" smtClean="0"/>
-              <a:t>10/23/2019</a:t>
+              <a:t>3/28/2021</a:t>
             </a:fld>
             <a:endParaRPr lang="en-US"/>
           </a:p>
@@ -6542,8 +6542,31 @@
                 <a:effectLst/>
                 <a:latin typeface="Selawik Semibold" panose="020B0702040204020203" pitchFamily="34" charset="0"/>
               </a:rPr>
-              <a:t>Produced by Dr. Mario | UNC STOR 390</a:t>
-            </a:r>
+              <a:t>Produced by Dr. Mario | UNC </a:t>
+            </a:r>
+            <a:r>
+              <a:rPr lang="en-US">
+                <a:ln>
+                  <a:noFill/>
+                </a:ln>
+                <a:solidFill>
+                  <a:srgbClr val="D34817"/>
+                </a:solidFill>
+                <a:effectLst/>
+                <a:latin typeface="Selawik Semibold" panose="020B0702040204020203" pitchFamily="34" charset="0"/>
+              </a:rPr>
+              <a:t>STOR 538</a:t>
+            </a:r>
+            <a:endParaRPr lang="en-US" dirty="0">
+              <a:ln>
+                <a:noFill/>
+              </a:ln>
+              <a:solidFill>
+                <a:srgbClr val="D34817"/>
+              </a:solidFill>
+              <a:effectLst/>
+              <a:latin typeface="Selawik Semibold" panose="020B0702040204020203" pitchFamily="34" charset="0"/>
+            </a:endParaRPr>
           </a:p>
         </p:txBody>
       </p:sp>

--- a/Slides/Football 3/Footballl_3_Lecture.pptx
+++ b/Slides/Football 3/Footballl_3_Lecture.pptx
@@ -5,7 +5,7 @@
     <p:sldMasterId id="2147483900" r:id="rId1"/>
   </p:sldMasterIdLst>
   <p:notesMasterIdLst>
-    <p:notesMasterId r:id="rId13"/>
+    <p:notesMasterId r:id="rId14"/>
   </p:notesMasterIdLst>
   <p:sldIdLst>
     <p:sldId id="298" r:id="rId2"/>
@@ -15,10 +15,11 @@
     <p:sldId id="311" r:id="rId6"/>
     <p:sldId id="312" r:id="rId7"/>
     <p:sldId id="313" r:id="rId8"/>
-    <p:sldId id="314" r:id="rId9"/>
-    <p:sldId id="315" r:id="rId10"/>
-    <p:sldId id="316" r:id="rId11"/>
-    <p:sldId id="281" r:id="rId12"/>
+    <p:sldId id="317" r:id="rId9"/>
+    <p:sldId id="314" r:id="rId10"/>
+    <p:sldId id="315" r:id="rId11"/>
+    <p:sldId id="316" r:id="rId12"/>
+    <p:sldId id="281" r:id="rId13"/>
   </p:sldIdLst>
   <p:sldSz cx="12192000" cy="6858000"/>
   <p:notesSz cx="6858000" cy="9144000"/>
@@ -219,7 +220,7 @@
           <a:p>
             <a:fld id="{C04E5E84-956F-4423-97B3-5936A6D8EEEE}" type="datetimeFigureOut">
               <a:rPr lang="en-US" smtClean="0"/>
-              <a:t>3/28/2021</a:t>
+              <a:t>4/4/2023</a:t>
             </a:fld>
             <a:endParaRPr lang="en-US"/>
           </a:p>
@@ -671,7 +672,7 @@
           <a:p>
             <a:fld id="{3881C039-66A3-4640-815B-3B5A8B7D868D}" type="datetimeFigureOut">
               <a:rPr lang="en-US" smtClean="0"/>
-              <a:t>3/28/2021</a:t>
+              <a:t>4/4/2023</a:t>
             </a:fld>
             <a:endParaRPr lang="en-US"/>
           </a:p>
@@ -969,7 +970,7 @@
           <a:p>
             <a:fld id="{3881C039-66A3-4640-815B-3B5A8B7D868D}" type="datetimeFigureOut">
               <a:rPr lang="en-US" smtClean="0"/>
-              <a:t>3/28/2021</a:t>
+              <a:t>4/4/2023</a:t>
             </a:fld>
             <a:endParaRPr lang="en-US"/>
           </a:p>
@@ -1161,7 +1162,7 @@
           <a:p>
             <a:fld id="{3881C039-66A3-4640-815B-3B5A8B7D868D}" type="datetimeFigureOut">
               <a:rPr lang="en-US" smtClean="0"/>
-              <a:t>3/28/2021</a:t>
+              <a:t>4/4/2023</a:t>
             </a:fld>
             <a:endParaRPr lang="en-US"/>
           </a:p>
@@ -1422,7 +1423,7 @@
           <a:p>
             <a:fld id="{3881C039-66A3-4640-815B-3B5A8B7D868D}" type="datetimeFigureOut">
               <a:rPr lang="en-US" smtClean="0"/>
-              <a:t>3/28/2021</a:t>
+              <a:t>4/4/2023</a:t>
             </a:fld>
             <a:endParaRPr lang="en-US"/>
           </a:p>
@@ -1846,7 +1847,7 @@
           <a:p>
             <a:fld id="{3881C039-66A3-4640-815B-3B5A8B7D868D}" type="datetimeFigureOut">
               <a:rPr lang="en-US" smtClean="0"/>
-              <a:t>3/28/2021</a:t>
+              <a:t>4/4/2023</a:t>
             </a:fld>
             <a:endParaRPr lang="en-US"/>
           </a:p>
@@ -2383,7 +2384,7 @@
           <a:p>
             <a:fld id="{3881C039-66A3-4640-815B-3B5A8B7D868D}" type="datetimeFigureOut">
               <a:rPr lang="en-US" smtClean="0"/>
-              <a:t>3/28/2021</a:t>
+              <a:t>4/4/2023</a:t>
             </a:fld>
             <a:endParaRPr lang="en-US"/>
           </a:p>
@@ -3247,7 +3248,7 @@
           <a:p>
             <a:fld id="{3881C039-66A3-4640-815B-3B5A8B7D868D}" type="datetimeFigureOut">
               <a:rPr lang="en-US" smtClean="0"/>
-              <a:t>3/28/2021</a:t>
+              <a:t>4/4/2023</a:t>
             </a:fld>
             <a:endParaRPr lang="en-US"/>
           </a:p>
@@ -3417,7 +3418,7 @@
           <a:p>
             <a:fld id="{3881C039-66A3-4640-815B-3B5A8B7D868D}" type="datetimeFigureOut">
               <a:rPr lang="en-US" smtClean="0"/>
-              <a:t>3/28/2021</a:t>
+              <a:t>4/4/2023</a:t>
             </a:fld>
             <a:endParaRPr lang="en-US"/>
           </a:p>
@@ -3601,7 +3602,7 @@
           <a:p>
             <a:fld id="{3881C039-66A3-4640-815B-3B5A8B7D868D}" type="datetimeFigureOut">
               <a:rPr lang="en-US" smtClean="0"/>
-              <a:t>3/28/2021</a:t>
+              <a:t>4/4/2023</a:t>
             </a:fld>
             <a:endParaRPr lang="en-US"/>
           </a:p>
@@ -3771,7 +3772,7 @@
           <a:p>
             <a:fld id="{3881C039-66A3-4640-815B-3B5A8B7D868D}" type="datetimeFigureOut">
               <a:rPr lang="en-US" smtClean="0"/>
-              <a:t>3/28/2021</a:t>
+              <a:t>4/4/2023</a:t>
             </a:fld>
             <a:endParaRPr lang="en-US"/>
           </a:p>
@@ -4015,7 +4016,7 @@
           <a:p>
             <a:fld id="{3881C039-66A3-4640-815B-3B5A8B7D868D}" type="datetimeFigureOut">
               <a:rPr lang="en-US" smtClean="0"/>
-              <a:t>3/28/2021</a:t>
+              <a:t>4/4/2023</a:t>
             </a:fld>
             <a:endParaRPr lang="en-US"/>
           </a:p>
@@ -4251,7 +4252,7 @@
           <a:p>
             <a:fld id="{3881C039-66A3-4640-815B-3B5A8B7D868D}" type="datetimeFigureOut">
               <a:rPr lang="en-US" smtClean="0"/>
-              <a:t>3/28/2021</a:t>
+              <a:t>4/4/2023</a:t>
             </a:fld>
             <a:endParaRPr lang="en-US"/>
           </a:p>
@@ -4717,7 +4718,7 @@
           <a:p>
             <a:fld id="{3881C039-66A3-4640-815B-3B5A8B7D868D}" type="datetimeFigureOut">
               <a:rPr lang="en-US" smtClean="0"/>
-              <a:t>3/28/2021</a:t>
+              <a:t>4/4/2023</a:t>
             </a:fld>
             <a:endParaRPr lang="en-US"/>
           </a:p>
@@ -4835,7 +4836,7 @@
           <a:p>
             <a:fld id="{3881C039-66A3-4640-815B-3B5A8B7D868D}" type="datetimeFigureOut">
               <a:rPr lang="en-US" smtClean="0"/>
-              <a:t>3/28/2021</a:t>
+              <a:t>4/4/2023</a:t>
             </a:fld>
             <a:endParaRPr lang="en-US"/>
           </a:p>
@@ -4930,7 +4931,7 @@
           <a:p>
             <a:fld id="{3881C039-66A3-4640-815B-3B5A8B7D868D}" type="datetimeFigureOut">
               <a:rPr lang="en-US" smtClean="0"/>
-              <a:t>3/28/2021</a:t>
+              <a:t>4/4/2023</a:t>
             </a:fld>
             <a:endParaRPr lang="en-US"/>
           </a:p>
@@ -5185,7 +5186,7 @@
           <a:p>
             <a:fld id="{3881C039-66A3-4640-815B-3B5A8B7D868D}" type="datetimeFigureOut">
               <a:rPr lang="en-US" smtClean="0"/>
-              <a:t>3/28/2021</a:t>
+              <a:t>4/4/2023</a:t>
             </a:fld>
             <a:endParaRPr lang="en-US"/>
           </a:p>
@@ -5485,7 +5486,7 @@
           <a:p>
             <a:fld id="{3881C039-66A3-4640-815B-3B5A8B7D868D}" type="datetimeFigureOut">
               <a:rPr lang="en-US" smtClean="0"/>
-              <a:t>3/28/2021</a:t>
+              <a:t>4/4/2023</a:t>
             </a:fld>
             <a:endParaRPr lang="en-US"/>
           </a:p>
@@ -5719,7 +5720,7 @@
           <a:p>
             <a:fld id="{3881C039-66A3-4640-815B-3B5A8B7D868D}" type="datetimeFigureOut">
               <a:rPr lang="en-US" smtClean="0"/>
-              <a:t>3/28/2021</a:t>
+              <a:t>4/4/2023</a:t>
             </a:fld>
             <a:endParaRPr lang="en-US"/>
           </a:p>
@@ -6623,6 +6624,1162 @@
 </file>
 
 <file path=ppt/slides/slide10.xml><?xml version="1.0" encoding="utf-8"?>
+<p:sld xmlns:a="http://schemas.openxmlformats.org/drawingml/2006/main" xmlns:r="http://schemas.openxmlformats.org/officeDocument/2006/relationships" xmlns:p="http://schemas.openxmlformats.org/presentationml/2006/main">
+  <p:cSld>
+    <p:bg>
+      <p:bgPr>
+        <a:blipFill rotWithShape="1">
+          <a:blip r:embed="rId2">
+            <a:duotone>
+              <a:schemeClr val="bg2">
+                <a:shade val="80000"/>
+                <a:lumMod val="80000"/>
+              </a:schemeClr>
+              <a:schemeClr val="bg2">
+                <a:tint val="98000"/>
+              </a:schemeClr>
+            </a:duotone>
+          </a:blip>
+          <a:stretch/>
+        </a:blipFill>
+        <a:effectLst/>
+      </p:bgPr>
+    </p:bg>
+    <p:spTree>
+      <p:nvGrpSpPr>
+        <p:cNvPr id="1" name=""/>
+        <p:cNvGrpSpPr/>
+        <p:nvPr/>
+      </p:nvGrpSpPr>
+      <p:grpSpPr>
+        <a:xfrm>
+          <a:off x="0" y="0"/>
+          <a:ext cx="0" cy="0"/>
+          <a:chOff x="0" y="0"/>
+          <a:chExt cx="0" cy="0"/>
+        </a:xfrm>
+      </p:grpSpPr>
+      <p:pic>
+        <p:nvPicPr>
+          <p:cNvPr id="21" name="Picture 20" descr="A picture containing clothing, person, headdress, baseball&#10;&#10;Description automatically generated">
+            <a:extLst>
+              <a:ext uri="{FF2B5EF4-FFF2-40B4-BE49-F238E27FC236}">
+                <a16:creationId xmlns:a16="http://schemas.microsoft.com/office/drawing/2014/main" id="{68BA132B-EA3B-4DFB-BEF2-04F4ACB3B027}"/>
+              </a:ext>
+            </a:extLst>
+          </p:cNvPr>
+          <p:cNvPicPr>
+            <a:picLocks noChangeAspect="1"/>
+          </p:cNvPicPr>
+          <p:nvPr/>
+        </p:nvPicPr>
+        <p:blipFill rotWithShape="1">
+          <a:blip r:embed="rId3">
+            <a:extLst>
+              <a:ext uri="{BEBA8EAE-BF5A-486C-A8C5-ECC9F3942E4B}">
+                <a14:imgProps xmlns:a14="http://schemas.microsoft.com/office/drawing/2010/main">
+                  <a14:imgLayer r:embed="rId4">
+                    <a14:imgEffect>
+                      <a14:colorTemperature colorTemp="11151"/>
+                    </a14:imgEffect>
+                    <a14:imgEffect>
+                      <a14:saturation sat="0"/>
+                    </a14:imgEffect>
+                  </a14:imgLayer>
+                </a14:imgProps>
+              </a:ext>
+              <a:ext uri="{28A0092B-C50C-407E-A947-70E740481C1C}">
+                <a14:useLocalDpi xmlns:a14="http://schemas.microsoft.com/office/drawing/2010/main" val="0"/>
+              </a:ext>
+            </a:extLst>
+          </a:blip>
+          <a:srcRect r="3" b="7624"/>
+          <a:stretch/>
+        </p:blipFill>
+        <p:spPr>
+          <a:xfrm>
+            <a:off x="-1051136" y="3119615"/>
+            <a:ext cx="4065464" cy="3258005"/>
+          </a:xfrm>
+          <a:prstGeom prst="rect">
+            <a:avLst/>
+          </a:prstGeom>
+        </p:spPr>
+      </p:pic>
+      <p:sp>
+        <p:nvSpPr>
+          <p:cNvPr id="41" name="Rectangle 40">
+            <a:extLst>
+              <a:ext uri="{FF2B5EF4-FFF2-40B4-BE49-F238E27FC236}">
+                <a16:creationId xmlns:a16="http://schemas.microsoft.com/office/drawing/2014/main" id="{7BDB8227-827C-484D-95AA-05C24716BEB4}"/>
+              </a:ext>
+            </a:extLst>
+          </p:cNvPr>
+          <p:cNvSpPr/>
+          <p:nvPr/>
+        </p:nvSpPr>
+        <p:spPr>
+          <a:xfrm>
+            <a:off x="1911020" y="528506"/>
+            <a:ext cx="6928179" cy="813912"/>
+          </a:xfrm>
+          <a:prstGeom prst="rect">
+            <a:avLst/>
+          </a:prstGeom>
+          <a:solidFill>
+            <a:srgbClr val="D34817"/>
+          </a:solidFill>
+        </p:spPr>
+        <p:style>
+          <a:lnRef idx="2">
+            <a:schemeClr val="accent1">
+              <a:shade val="50000"/>
+            </a:schemeClr>
+          </a:lnRef>
+          <a:fillRef idx="1">
+            <a:schemeClr val="accent1"/>
+          </a:fillRef>
+          <a:effectRef idx="0">
+            <a:schemeClr val="accent1"/>
+          </a:effectRef>
+          <a:fontRef idx="minor">
+            <a:schemeClr val="lt1"/>
+          </a:fontRef>
+        </p:style>
+        <p:txBody>
+          <a:bodyPr rtlCol="0" anchor="ctr"/>
+          <a:lstStyle/>
+          <a:p>
+            <a:pPr algn="ctr"/>
+            <a:endParaRPr lang="en-US">
+              <a:solidFill>
+                <a:srgbClr val="A6A1A1"/>
+              </a:solidFill>
+            </a:endParaRPr>
+          </a:p>
+        </p:txBody>
+      </p:sp>
+      <p:sp>
+        <p:nvSpPr>
+          <p:cNvPr id="4" name="Title 3">
+            <a:extLst>
+              <a:ext uri="{FF2B5EF4-FFF2-40B4-BE49-F238E27FC236}">
+                <a16:creationId xmlns:a16="http://schemas.microsoft.com/office/drawing/2014/main" id="{4A6C2FBC-B0EB-45C1-9469-C4F6741ECB31}"/>
+              </a:ext>
+            </a:extLst>
+          </p:cNvPr>
+          <p:cNvSpPr>
+            <a:spLocks noGrp="1"/>
+          </p:cNvSpPr>
+          <p:nvPr>
+            <p:ph type="title"/>
+          </p:nvPr>
+        </p:nvSpPr>
+        <p:spPr>
+          <a:xfrm>
+            <a:off x="1911020" y="428653"/>
+            <a:ext cx="6928179" cy="970450"/>
+          </a:xfrm>
+          <a:effectLst>
+            <a:outerShdw blurRad="25400" dir="17880000">
+              <a:srgbClr val="000000">
+                <a:alpha val="70000"/>
+              </a:srgbClr>
+            </a:outerShdw>
+          </a:effectLst>
+        </p:spPr>
+        <p:txBody>
+          <a:bodyPr>
+            <a:normAutofit/>
+          </a:bodyPr>
+          <a:lstStyle/>
+          <a:p>
+            <a:pPr algn="l"/>
+            <a:r>
+              <a:rPr lang="en-US" sz="3600" dirty="0">
+                <a:ln>
+                  <a:noFill/>
+                </a:ln>
+                <a:solidFill>
+                  <a:schemeClr val="bg2">
+                    <a:lumMod val="10000"/>
+                    <a:lumOff val="90000"/>
+                  </a:schemeClr>
+                </a:solidFill>
+                <a:effectLst/>
+                <a:latin typeface="Selawik Semibold" panose="020B0702040204020203" pitchFamily="34" charset="0"/>
+              </a:rPr>
+              <a:t>Football States and Values</a:t>
+            </a:r>
+          </a:p>
+        </p:txBody>
+      </p:sp>
+      <p:sp>
+        <p:nvSpPr>
+          <p:cNvPr id="24" name="Content Placeholder 2">
+            <a:extLst>
+              <a:ext uri="{FF2B5EF4-FFF2-40B4-BE49-F238E27FC236}">
+                <a16:creationId xmlns:a16="http://schemas.microsoft.com/office/drawing/2014/main" id="{52313B83-B214-43D7-AC39-182CE4FA3E53}"/>
+              </a:ext>
+            </a:extLst>
+          </p:cNvPr>
+          <p:cNvSpPr>
+            <a:spLocks noGrp="1"/>
+          </p:cNvSpPr>
+          <p:nvPr>
+            <p:ph idx="1"/>
+          </p:nvPr>
+        </p:nvSpPr>
+        <p:spPr>
+          <a:xfrm>
+            <a:off x="2283153" y="1490925"/>
+            <a:ext cx="9673495" cy="4838569"/>
+          </a:xfrm>
+        </p:spPr>
+        <p:txBody>
+          <a:bodyPr numCol="1" anchor="t">
+            <a:noAutofit/>
+          </a:bodyPr>
+          <a:lstStyle/>
+          <a:p>
+            <a:pPr marL="0" indent="0">
+              <a:spcBef>
+                <a:spcPts val="0"/>
+              </a:spcBef>
+              <a:spcAft>
+                <a:spcPts val="0"/>
+              </a:spcAft>
+              <a:buClr>
+                <a:srgbClr val="D34817"/>
+              </a:buClr>
+              <a:buSzPct val="100000"/>
+              <a:buFont typeface="Wingdings" panose="05000000000000000000" pitchFamily="2" charset="2"/>
+              <a:buChar char="v"/>
+            </a:pPr>
+            <a:r>
+              <a:rPr lang="en-US" sz="2400" dirty="0">
+                <a:solidFill>
+                  <a:schemeClr val="bg2">
+                    <a:lumMod val="10000"/>
+                    <a:lumOff val="90000"/>
+                  </a:schemeClr>
+                </a:solidFill>
+                <a:effectLst/>
+                <a:latin typeface="Selawik Semibold" panose="020B0702040204020203" pitchFamily="34" charset="0"/>
+              </a:rPr>
+              <a:t>Estimating Value of Each States</a:t>
+            </a:r>
+          </a:p>
+          <a:p>
+            <a:pPr marL="377100" lvl="1" indent="0">
+              <a:spcBef>
+                <a:spcPts val="0"/>
+              </a:spcBef>
+              <a:spcAft>
+                <a:spcPts val="0"/>
+              </a:spcAft>
+              <a:buClr>
+                <a:srgbClr val="D34817"/>
+              </a:buClr>
+              <a:buSzPct val="100000"/>
+              <a:buFont typeface="Wingdings" panose="05000000000000000000" pitchFamily="2" charset="2"/>
+              <a:buChar char="v"/>
+            </a:pPr>
+            <a:r>
+              <a:rPr lang="en-US" sz="2000" dirty="0">
+                <a:solidFill>
+                  <a:schemeClr val="bg2">
+                    <a:lumMod val="10000"/>
+                    <a:lumOff val="90000"/>
+                  </a:schemeClr>
+                </a:solidFill>
+                <a:effectLst/>
+                <a:latin typeface="Selawik Semibold" panose="020B0702040204020203" pitchFamily="34" charset="0"/>
+              </a:rPr>
+              <a:t>Values Can Be Estimated Through Solving Equations</a:t>
+            </a:r>
+          </a:p>
+          <a:p>
+            <a:pPr marL="377100" lvl="1" indent="0">
+              <a:spcBef>
+                <a:spcPts val="0"/>
+              </a:spcBef>
+              <a:spcAft>
+                <a:spcPts val="0"/>
+              </a:spcAft>
+              <a:buClr>
+                <a:srgbClr val="D34817"/>
+              </a:buClr>
+              <a:buSzPct val="100000"/>
+              <a:buFont typeface="Wingdings" panose="05000000000000000000" pitchFamily="2" charset="2"/>
+              <a:buChar char="v"/>
+            </a:pPr>
+            <a:r>
+              <a:rPr lang="en-US" sz="2000" dirty="0">
+                <a:solidFill>
+                  <a:schemeClr val="bg2">
+                    <a:lumMod val="10000"/>
+                    <a:lumOff val="90000"/>
+                  </a:schemeClr>
+                </a:solidFill>
+                <a:effectLst/>
+                <a:latin typeface="Selawik Semibold" panose="020B0702040204020203" pitchFamily="34" charset="0"/>
+              </a:rPr>
+              <a:t>System Can Be Solved = 5 Variables and 5 Equations</a:t>
+            </a:r>
+          </a:p>
+          <a:p>
+            <a:pPr marL="377100" lvl="1" indent="0">
+              <a:spcBef>
+                <a:spcPts val="0"/>
+              </a:spcBef>
+              <a:spcAft>
+                <a:spcPts val="0"/>
+              </a:spcAft>
+              <a:buClr>
+                <a:srgbClr val="D34817"/>
+              </a:buClr>
+              <a:buSzPct val="100000"/>
+              <a:buFont typeface="Wingdings" panose="05000000000000000000" pitchFamily="2" charset="2"/>
+              <a:buChar char="v"/>
+            </a:pPr>
+            <a:endParaRPr lang="en-US" sz="2000" dirty="0">
+              <a:solidFill>
+                <a:schemeClr val="bg2">
+                  <a:lumMod val="10000"/>
+                  <a:lumOff val="90000"/>
+                </a:schemeClr>
+              </a:solidFill>
+              <a:effectLst/>
+              <a:latin typeface="Selawik Semibold" panose="020B0702040204020203" pitchFamily="34" charset="0"/>
+            </a:endParaRPr>
+          </a:p>
+          <a:p>
+            <a:pPr marL="377100" lvl="1" indent="0">
+              <a:spcBef>
+                <a:spcPts val="0"/>
+              </a:spcBef>
+              <a:spcAft>
+                <a:spcPts val="0"/>
+              </a:spcAft>
+              <a:buClr>
+                <a:srgbClr val="D34817"/>
+              </a:buClr>
+              <a:buSzPct val="100000"/>
+              <a:buFont typeface="Wingdings" panose="05000000000000000000" pitchFamily="2" charset="2"/>
+              <a:buChar char="v"/>
+            </a:pPr>
+            <a:endParaRPr lang="en-US" sz="2000" dirty="0">
+              <a:solidFill>
+                <a:schemeClr val="bg2">
+                  <a:lumMod val="10000"/>
+                  <a:lumOff val="90000"/>
+                </a:schemeClr>
+              </a:solidFill>
+              <a:effectLst/>
+              <a:latin typeface="Selawik Semibold" panose="020B0702040204020203" pitchFamily="34" charset="0"/>
+            </a:endParaRPr>
+          </a:p>
+          <a:p>
+            <a:pPr marL="377100" lvl="1" indent="0">
+              <a:spcBef>
+                <a:spcPts val="0"/>
+              </a:spcBef>
+              <a:spcAft>
+                <a:spcPts val="0"/>
+              </a:spcAft>
+              <a:buClr>
+                <a:srgbClr val="D34817"/>
+              </a:buClr>
+              <a:buSzPct val="100000"/>
+              <a:buFont typeface="Wingdings" panose="05000000000000000000" pitchFamily="2" charset="2"/>
+              <a:buChar char="v"/>
+            </a:pPr>
+            <a:endParaRPr lang="en-US" sz="2000" dirty="0">
+              <a:solidFill>
+                <a:schemeClr val="bg2">
+                  <a:lumMod val="10000"/>
+                  <a:lumOff val="90000"/>
+                </a:schemeClr>
+              </a:solidFill>
+              <a:effectLst/>
+              <a:latin typeface="Selawik Semibold" panose="020B0702040204020203" pitchFamily="34" charset="0"/>
+            </a:endParaRPr>
+          </a:p>
+          <a:p>
+            <a:pPr marL="377100" lvl="1" indent="0">
+              <a:spcBef>
+                <a:spcPts val="0"/>
+              </a:spcBef>
+              <a:spcAft>
+                <a:spcPts val="0"/>
+              </a:spcAft>
+              <a:buClr>
+                <a:srgbClr val="D34817"/>
+              </a:buClr>
+              <a:buSzPct val="100000"/>
+              <a:buFont typeface="Wingdings" panose="05000000000000000000" pitchFamily="2" charset="2"/>
+              <a:buChar char="v"/>
+            </a:pPr>
+            <a:endParaRPr lang="en-US" sz="2000" dirty="0">
+              <a:solidFill>
+                <a:schemeClr val="bg2">
+                  <a:lumMod val="10000"/>
+                  <a:lumOff val="90000"/>
+                </a:schemeClr>
+              </a:solidFill>
+              <a:effectLst/>
+              <a:latin typeface="Selawik Semibold" panose="020B0702040204020203" pitchFamily="34" charset="0"/>
+            </a:endParaRPr>
+          </a:p>
+          <a:p>
+            <a:pPr marL="377100" lvl="1" indent="0">
+              <a:spcBef>
+                <a:spcPts val="0"/>
+              </a:spcBef>
+              <a:spcAft>
+                <a:spcPts val="0"/>
+              </a:spcAft>
+              <a:buClr>
+                <a:srgbClr val="D34817"/>
+              </a:buClr>
+              <a:buSzPct val="100000"/>
+              <a:buFont typeface="Wingdings" panose="05000000000000000000" pitchFamily="2" charset="2"/>
+              <a:buChar char="v"/>
+            </a:pPr>
+            <a:endParaRPr lang="en-US" sz="2000" dirty="0">
+              <a:solidFill>
+                <a:schemeClr val="bg2">
+                  <a:lumMod val="10000"/>
+                  <a:lumOff val="90000"/>
+                </a:schemeClr>
+              </a:solidFill>
+              <a:effectLst/>
+              <a:latin typeface="Selawik Semibold" panose="020B0702040204020203" pitchFamily="34" charset="0"/>
+            </a:endParaRPr>
+          </a:p>
+          <a:p>
+            <a:pPr marL="377100" lvl="1" indent="0">
+              <a:spcBef>
+                <a:spcPts val="0"/>
+              </a:spcBef>
+              <a:spcAft>
+                <a:spcPts val="0"/>
+              </a:spcAft>
+              <a:buClr>
+                <a:srgbClr val="D34817"/>
+              </a:buClr>
+              <a:buSzPct val="100000"/>
+              <a:buFont typeface="Wingdings" panose="05000000000000000000" pitchFamily="2" charset="2"/>
+              <a:buChar char="v"/>
+            </a:pPr>
+            <a:endParaRPr lang="en-US" sz="2000" dirty="0">
+              <a:solidFill>
+                <a:schemeClr val="bg2">
+                  <a:lumMod val="10000"/>
+                  <a:lumOff val="90000"/>
+                </a:schemeClr>
+              </a:solidFill>
+              <a:effectLst/>
+              <a:latin typeface="Selawik Semibold" panose="020B0702040204020203" pitchFamily="34" charset="0"/>
+            </a:endParaRPr>
+          </a:p>
+          <a:p>
+            <a:pPr marL="377100" lvl="1" indent="0">
+              <a:spcBef>
+                <a:spcPts val="0"/>
+              </a:spcBef>
+              <a:spcAft>
+                <a:spcPts val="0"/>
+              </a:spcAft>
+              <a:buClr>
+                <a:srgbClr val="D34817"/>
+              </a:buClr>
+              <a:buSzPct val="100000"/>
+              <a:buFont typeface="Wingdings" panose="05000000000000000000" pitchFamily="2" charset="2"/>
+              <a:buChar char="v"/>
+            </a:pPr>
+            <a:endParaRPr lang="en-US" sz="2000" dirty="0">
+              <a:solidFill>
+                <a:schemeClr val="bg2">
+                  <a:lumMod val="10000"/>
+                  <a:lumOff val="90000"/>
+                </a:schemeClr>
+              </a:solidFill>
+              <a:effectLst/>
+              <a:latin typeface="Selawik Semibold" panose="020B0702040204020203" pitchFamily="34" charset="0"/>
+            </a:endParaRPr>
+          </a:p>
+          <a:p>
+            <a:pPr marL="377100" lvl="1" indent="0">
+              <a:spcBef>
+                <a:spcPts val="0"/>
+              </a:spcBef>
+              <a:spcAft>
+                <a:spcPts val="0"/>
+              </a:spcAft>
+              <a:buClr>
+                <a:srgbClr val="D34817"/>
+              </a:buClr>
+              <a:buSzPct val="100000"/>
+              <a:buFont typeface="Wingdings" panose="05000000000000000000" pitchFamily="2" charset="2"/>
+              <a:buChar char="v"/>
+            </a:pPr>
+            <a:r>
+              <a:rPr lang="en-US" sz="2000" dirty="0">
+                <a:solidFill>
+                  <a:schemeClr val="bg2">
+                    <a:lumMod val="10000"/>
+                    <a:lumOff val="90000"/>
+                  </a:schemeClr>
+                </a:solidFill>
+                <a:effectLst/>
+                <a:latin typeface="Selawik Semibold" panose="020B0702040204020203" pitchFamily="34" charset="0"/>
+              </a:rPr>
+              <a:t>Each Yard Line Increases Expectation by 3.5 Points</a:t>
+            </a:r>
+          </a:p>
+          <a:p>
+            <a:pPr marL="377100" lvl="1" indent="0">
+              <a:spcBef>
+                <a:spcPts val="0"/>
+              </a:spcBef>
+              <a:spcAft>
+                <a:spcPts val="0"/>
+              </a:spcAft>
+              <a:buClr>
+                <a:srgbClr val="D34817"/>
+              </a:buClr>
+              <a:buSzPct val="100000"/>
+              <a:buFont typeface="Wingdings" panose="05000000000000000000" pitchFamily="2" charset="2"/>
+              <a:buChar char="v"/>
+            </a:pPr>
+            <a:r>
+              <a:rPr lang="en-US" sz="2000" dirty="0">
+                <a:solidFill>
+                  <a:schemeClr val="bg2">
+                    <a:lumMod val="10000"/>
+                    <a:lumOff val="90000"/>
+                  </a:schemeClr>
+                </a:solidFill>
+                <a:effectLst/>
+                <a:latin typeface="Selawik Semibold" panose="020B0702040204020203" pitchFamily="34" charset="0"/>
+              </a:rPr>
+              <a:t>Is There Anything Particularly Unusual About This Methodology?</a:t>
+            </a:r>
+          </a:p>
+        </p:txBody>
+      </p:sp>
+      <p:pic>
+        <p:nvPicPr>
+          <p:cNvPr id="40" name="Graphic 39" descr="Football">
+            <a:extLst>
+              <a:ext uri="{FF2B5EF4-FFF2-40B4-BE49-F238E27FC236}">
+                <a16:creationId xmlns:a16="http://schemas.microsoft.com/office/drawing/2014/main" id="{43103FBA-298C-4A8C-8E68-C9DFEB1CFAF5}"/>
+              </a:ext>
+            </a:extLst>
+          </p:cNvPr>
+          <p:cNvPicPr>
+            <a:picLocks noChangeAspect="1"/>
+          </p:cNvPicPr>
+          <p:nvPr/>
+        </p:nvPicPr>
+        <p:blipFill>
+          <a:blip r:embed="rId5">
+            <a:extLst>
+              <a:ext uri="{28A0092B-C50C-407E-A947-70E740481C1C}">
+                <a14:useLocalDpi xmlns:a14="http://schemas.microsoft.com/office/drawing/2010/main" val="0"/>
+              </a:ext>
+              <a:ext uri="{96DAC541-7B7A-43D3-8B79-37D633B846F1}">
+                <asvg:svgBlip xmlns:asvg="http://schemas.microsoft.com/office/drawing/2016/SVG/main" r:embed="rId6"/>
+              </a:ext>
+            </a:extLst>
+          </a:blip>
+          <a:stretch>
+            <a:fillRect/>
+          </a:stretch>
+        </p:blipFill>
+        <p:spPr>
+          <a:xfrm>
+            <a:off x="8917272" y="232079"/>
+            <a:ext cx="1406766" cy="1406766"/>
+          </a:xfrm>
+          <a:prstGeom prst="rect">
+            <a:avLst/>
+          </a:prstGeom>
+        </p:spPr>
+      </p:pic>
+      <p:sp>
+        <p:nvSpPr>
+          <p:cNvPr id="17" name="Rectangle 16">
+            <a:extLst>
+              <a:ext uri="{FF2B5EF4-FFF2-40B4-BE49-F238E27FC236}">
+                <a16:creationId xmlns:a16="http://schemas.microsoft.com/office/drawing/2014/main" id="{5020441A-C920-4B5D-B423-02BDA4A265D5}"/>
+              </a:ext>
+            </a:extLst>
+          </p:cNvPr>
+          <p:cNvSpPr/>
+          <p:nvPr/>
+        </p:nvSpPr>
+        <p:spPr>
+          <a:xfrm>
+            <a:off x="0" y="6363870"/>
+            <a:ext cx="12192000" cy="280807"/>
+          </a:xfrm>
+          <a:prstGeom prst="rect">
+            <a:avLst/>
+          </a:prstGeom>
+          <a:solidFill>
+            <a:srgbClr val="D34817"/>
+          </a:solidFill>
+          <a:ln>
+            <a:noFill/>
+          </a:ln>
+        </p:spPr>
+        <p:style>
+          <a:lnRef idx="2">
+            <a:schemeClr val="accent1">
+              <a:shade val="50000"/>
+            </a:schemeClr>
+          </a:lnRef>
+          <a:fillRef idx="1">
+            <a:schemeClr val="accent1"/>
+          </a:fillRef>
+          <a:effectRef idx="0">
+            <a:schemeClr val="accent1"/>
+          </a:effectRef>
+          <a:fontRef idx="minor">
+            <a:schemeClr val="lt1"/>
+          </a:fontRef>
+        </p:style>
+        <p:txBody>
+          <a:bodyPr rtlCol="0" anchor="ctr"/>
+          <a:lstStyle/>
+          <a:p>
+            <a:pPr algn="ctr"/>
+            <a:endParaRPr lang="en-US"/>
+          </a:p>
+        </p:txBody>
+      </p:sp>
+      <p:sp>
+        <p:nvSpPr>
+          <p:cNvPr id="43" name="Rectangle 42">
+            <a:extLst>
+              <a:ext uri="{FF2B5EF4-FFF2-40B4-BE49-F238E27FC236}">
+                <a16:creationId xmlns:a16="http://schemas.microsoft.com/office/drawing/2014/main" id="{50A0A4F6-DDDF-466F-B88A-4EAD2319B32D}"/>
+              </a:ext>
+            </a:extLst>
+          </p:cNvPr>
+          <p:cNvSpPr/>
+          <p:nvPr/>
+        </p:nvSpPr>
+        <p:spPr>
+          <a:xfrm>
+            <a:off x="10402110" y="528506"/>
+            <a:ext cx="1789889" cy="813912"/>
+          </a:xfrm>
+          <a:prstGeom prst="rect">
+            <a:avLst/>
+          </a:prstGeom>
+          <a:solidFill>
+            <a:srgbClr val="D34817"/>
+          </a:solidFill>
+        </p:spPr>
+        <p:style>
+          <a:lnRef idx="2">
+            <a:schemeClr val="accent1">
+              <a:shade val="50000"/>
+            </a:schemeClr>
+          </a:lnRef>
+          <a:fillRef idx="1">
+            <a:schemeClr val="accent1"/>
+          </a:fillRef>
+          <a:effectRef idx="0">
+            <a:schemeClr val="accent1"/>
+          </a:effectRef>
+          <a:fontRef idx="minor">
+            <a:schemeClr val="lt1"/>
+          </a:fontRef>
+        </p:style>
+        <p:txBody>
+          <a:bodyPr rtlCol="0" anchor="ctr"/>
+          <a:lstStyle/>
+          <a:p>
+            <a:pPr algn="ctr"/>
+            <a:endParaRPr lang="en-US"/>
+          </a:p>
+        </p:txBody>
+      </p:sp>
+      <p:sp>
+        <p:nvSpPr>
+          <p:cNvPr id="46" name="Rectangle 45">
+            <a:extLst>
+              <a:ext uri="{FF2B5EF4-FFF2-40B4-BE49-F238E27FC236}">
+                <a16:creationId xmlns:a16="http://schemas.microsoft.com/office/drawing/2014/main" id="{4E8668F5-2350-4974-AA4D-876D0CD42EDD}"/>
+              </a:ext>
+            </a:extLst>
+          </p:cNvPr>
+          <p:cNvSpPr/>
+          <p:nvPr/>
+        </p:nvSpPr>
+        <p:spPr>
+          <a:xfrm>
+            <a:off x="-112743" y="528506"/>
+            <a:ext cx="470541" cy="813912"/>
+          </a:xfrm>
+          <a:prstGeom prst="rect">
+            <a:avLst/>
+          </a:prstGeom>
+          <a:solidFill>
+            <a:srgbClr val="D34817"/>
+          </a:solidFill>
+        </p:spPr>
+        <p:style>
+          <a:lnRef idx="2">
+            <a:schemeClr val="accent1">
+              <a:shade val="50000"/>
+            </a:schemeClr>
+          </a:lnRef>
+          <a:fillRef idx="1">
+            <a:schemeClr val="accent1"/>
+          </a:fillRef>
+          <a:effectRef idx="0">
+            <a:schemeClr val="accent1"/>
+          </a:effectRef>
+          <a:fontRef idx="minor">
+            <a:schemeClr val="lt1"/>
+          </a:fontRef>
+        </p:style>
+        <p:txBody>
+          <a:bodyPr rtlCol="0" anchor="ctr"/>
+          <a:lstStyle/>
+          <a:p>
+            <a:pPr algn="ctr"/>
+            <a:endParaRPr lang="en-US"/>
+          </a:p>
+        </p:txBody>
+      </p:sp>
+      <p:pic>
+        <p:nvPicPr>
+          <p:cNvPr id="47" name="Graphic 46" descr="Football">
+            <a:extLst>
+              <a:ext uri="{FF2B5EF4-FFF2-40B4-BE49-F238E27FC236}">
+                <a16:creationId xmlns:a16="http://schemas.microsoft.com/office/drawing/2014/main" id="{BBBD34EB-97F5-4783-BE1A-4ADD4D05EBF0}"/>
+              </a:ext>
+            </a:extLst>
+          </p:cNvPr>
+          <p:cNvPicPr>
+            <a:picLocks noChangeAspect="1"/>
+          </p:cNvPicPr>
+          <p:nvPr/>
+        </p:nvPicPr>
+        <p:blipFill>
+          <a:blip r:embed="rId5">
+            <a:extLst>
+              <a:ext uri="{28A0092B-C50C-407E-A947-70E740481C1C}">
+                <a14:useLocalDpi xmlns:a14="http://schemas.microsoft.com/office/drawing/2010/main" val="0"/>
+              </a:ext>
+              <a:ext uri="{96DAC541-7B7A-43D3-8B79-37D633B846F1}">
+                <asvg:svgBlip xmlns:asvg="http://schemas.microsoft.com/office/drawing/2016/SVG/main" r:embed="rId6"/>
+              </a:ext>
+            </a:extLst>
+          </a:blip>
+          <a:stretch>
+            <a:fillRect/>
+          </a:stretch>
+        </p:blipFill>
+        <p:spPr>
+          <a:xfrm>
+            <a:off x="426182" y="210495"/>
+            <a:ext cx="1406766" cy="1406766"/>
+          </a:xfrm>
+          <a:prstGeom prst="rect">
+            <a:avLst/>
+          </a:prstGeom>
+        </p:spPr>
+      </p:pic>
+      <mc:AlternateContent xmlns:mc="http://schemas.openxmlformats.org/markup-compatibility/2006" xmlns:a14="http://schemas.microsoft.com/office/drawing/2010/main">
+        <mc:Choice Requires="a14">
+          <p:sp>
+            <p:nvSpPr>
+              <p:cNvPr id="12" name="TextBox 11">
+                <a:extLst>
+                  <a:ext uri="{FF2B5EF4-FFF2-40B4-BE49-F238E27FC236}">
+                    <a16:creationId xmlns:a16="http://schemas.microsoft.com/office/drawing/2014/main" id="{74925DE6-BF89-4DB5-9581-1C5BC6B756BD}"/>
+                  </a:ext>
+                </a:extLst>
+              </p:cNvPr>
+              <p:cNvSpPr txBox="1"/>
+              <p:nvPr/>
+            </p:nvSpPr>
+            <p:spPr>
+              <a:xfrm>
+                <a:off x="2920424" y="2566784"/>
+                <a:ext cx="3526676" cy="1938992"/>
+              </a:xfrm>
+              <a:prstGeom prst="rect">
+                <a:avLst/>
+              </a:prstGeom>
+              <a:noFill/>
+            </p:spPr>
+            <p:txBody>
+              <a:bodyPr wrap="square" rtlCol="0">
+                <a:spAutoFit/>
+              </a:bodyPr>
+              <a:lstStyle/>
+              <a:p>
+                <a:pPr/>
+                <a14:m>
+                  <m:oMathPara xmlns:m="http://schemas.openxmlformats.org/officeDocument/2006/math">
+                    <m:oMathParaPr>
+                      <m:jc m:val="left"/>
+                    </m:oMathParaPr>
+                    <m:oMath xmlns:m="http://schemas.openxmlformats.org/officeDocument/2006/math">
+                      <m:sSub>
+                        <m:sSubPr>
+                          <m:ctrlPr>
+                            <a:rPr lang="en-US" sz="2400" b="0" i="1" smtClean="0">
+                              <a:latin typeface="Cambria Math" panose="02040503050406030204" pitchFamily="18" charset="0"/>
+                            </a:rPr>
+                          </m:ctrlPr>
+                        </m:sSubPr>
+                        <m:e>
+                          <m:r>
+                            <a:rPr lang="en-US" sz="2400" b="0" i="1" smtClean="0">
+                              <a:latin typeface="Cambria Math" panose="02040503050406030204" pitchFamily="18" charset="0"/>
+                            </a:rPr>
+                            <m:t>𝑉</m:t>
+                          </m:r>
+                        </m:e>
+                        <m:sub>
+                          <m:r>
+                            <a:rPr lang="en-US" sz="2400" b="0" i="1" smtClean="0">
+                              <a:latin typeface="Cambria Math" panose="02040503050406030204" pitchFamily="18" charset="0"/>
+                            </a:rPr>
+                            <m:t>1</m:t>
+                          </m:r>
+                        </m:sub>
+                      </m:sSub>
+                      <m:r>
+                        <a:rPr lang="en-US" sz="2400" b="0" i="1" smtClean="0">
+                          <a:latin typeface="Cambria Math" panose="02040503050406030204" pitchFamily="18" charset="0"/>
+                        </a:rPr>
+                        <m:t>=−5.25</m:t>
+                      </m:r>
+                    </m:oMath>
+                  </m:oMathPara>
+                </a14:m>
+                <a:endParaRPr lang="en-US" sz="2400" dirty="0"/>
+              </a:p>
+              <a:p>
+                <a:pPr/>
+                <a14:m>
+                  <m:oMathPara xmlns:m="http://schemas.openxmlformats.org/officeDocument/2006/math">
+                    <m:oMathParaPr>
+                      <m:jc m:val="left"/>
+                    </m:oMathParaPr>
+                    <m:oMath xmlns:m="http://schemas.openxmlformats.org/officeDocument/2006/math">
+                      <m:sSub>
+                        <m:sSubPr>
+                          <m:ctrlPr>
+                            <a:rPr lang="en-US" sz="2400" i="1">
+                              <a:latin typeface="Cambria Math" panose="02040503050406030204" pitchFamily="18" charset="0"/>
+                            </a:rPr>
+                          </m:ctrlPr>
+                        </m:sSubPr>
+                        <m:e>
+                          <m:r>
+                            <a:rPr lang="en-US" sz="2400" i="1">
+                              <a:latin typeface="Cambria Math" panose="02040503050406030204" pitchFamily="18" charset="0"/>
+                            </a:rPr>
+                            <m:t>𝑉</m:t>
+                          </m:r>
+                        </m:e>
+                        <m:sub>
+                          <m:r>
+                            <a:rPr lang="en-US" sz="2400" b="0" i="1" smtClean="0">
+                              <a:latin typeface="Cambria Math" panose="02040503050406030204" pitchFamily="18" charset="0"/>
+                            </a:rPr>
+                            <m:t>2</m:t>
+                          </m:r>
+                        </m:sub>
+                      </m:sSub>
+                      <m:r>
+                        <a:rPr lang="en-US" sz="2400" i="1">
+                          <a:latin typeface="Cambria Math" panose="02040503050406030204" pitchFamily="18" charset="0"/>
+                        </a:rPr>
+                        <m:t>=</m:t>
+                      </m:r>
+                      <m:r>
+                        <a:rPr lang="en-US" sz="2400" b="0" i="1" smtClean="0">
+                          <a:latin typeface="Cambria Math" panose="02040503050406030204" pitchFamily="18" charset="0"/>
+                        </a:rPr>
+                        <m:t>−1.75</m:t>
+                      </m:r>
+                    </m:oMath>
+                  </m:oMathPara>
+                </a14:m>
+                <a:endParaRPr lang="en-US" sz="2400" dirty="0"/>
+              </a:p>
+              <a:p>
+                <a:pPr/>
+                <a14:m>
+                  <m:oMathPara xmlns:m="http://schemas.openxmlformats.org/officeDocument/2006/math">
+                    <m:oMathParaPr>
+                      <m:jc m:val="left"/>
+                    </m:oMathParaPr>
+                    <m:oMath xmlns:m="http://schemas.openxmlformats.org/officeDocument/2006/math">
+                      <m:sSub>
+                        <m:sSubPr>
+                          <m:ctrlPr>
+                            <a:rPr lang="en-US" sz="2400" i="1">
+                              <a:latin typeface="Cambria Math" panose="02040503050406030204" pitchFamily="18" charset="0"/>
+                            </a:rPr>
+                          </m:ctrlPr>
+                        </m:sSubPr>
+                        <m:e>
+                          <m:r>
+                            <a:rPr lang="en-US" sz="2400" i="1">
+                              <a:latin typeface="Cambria Math" panose="02040503050406030204" pitchFamily="18" charset="0"/>
+                            </a:rPr>
+                            <m:t>𝑉</m:t>
+                          </m:r>
+                        </m:e>
+                        <m:sub>
+                          <m:r>
+                            <a:rPr lang="en-US" sz="2400" b="0" i="1" smtClean="0">
+                              <a:latin typeface="Cambria Math" panose="02040503050406030204" pitchFamily="18" charset="0"/>
+                            </a:rPr>
+                            <m:t>3</m:t>
+                          </m:r>
+                        </m:sub>
+                      </m:sSub>
+                      <m:r>
+                        <a:rPr lang="en-US" sz="2400" i="1">
+                          <a:latin typeface="Cambria Math" panose="02040503050406030204" pitchFamily="18" charset="0"/>
+                        </a:rPr>
+                        <m:t>=</m:t>
+                      </m:r>
+                      <m:r>
+                        <a:rPr lang="en-US" sz="2400" i="1" smtClean="0">
+                          <a:latin typeface="Cambria Math" panose="02040503050406030204" pitchFamily="18" charset="0"/>
+                        </a:rPr>
+                        <m:t>1</m:t>
+                      </m:r>
+                      <m:r>
+                        <a:rPr lang="en-US" sz="2400" b="0" i="1" smtClean="0">
+                          <a:latin typeface="Cambria Math" panose="02040503050406030204" pitchFamily="18" charset="0"/>
+                        </a:rPr>
+                        <m:t>.75</m:t>
+                      </m:r>
+                    </m:oMath>
+                  </m:oMathPara>
+                </a14:m>
+                <a:endParaRPr lang="en-US" sz="2400" dirty="0"/>
+              </a:p>
+              <a:p>
+                <a:pPr/>
+                <a14:m>
+                  <m:oMathPara xmlns:m="http://schemas.openxmlformats.org/officeDocument/2006/math">
+                    <m:oMathParaPr>
+                      <m:jc m:val="left"/>
+                    </m:oMathParaPr>
+                    <m:oMath xmlns:m="http://schemas.openxmlformats.org/officeDocument/2006/math">
+                      <m:sSub>
+                        <m:sSubPr>
+                          <m:ctrlPr>
+                            <a:rPr lang="en-US" sz="2400" i="1">
+                              <a:latin typeface="Cambria Math" panose="02040503050406030204" pitchFamily="18" charset="0"/>
+                            </a:rPr>
+                          </m:ctrlPr>
+                        </m:sSubPr>
+                        <m:e>
+                          <m:r>
+                            <a:rPr lang="en-US" sz="2400" i="1">
+                              <a:latin typeface="Cambria Math" panose="02040503050406030204" pitchFamily="18" charset="0"/>
+                            </a:rPr>
+                            <m:t>𝑉</m:t>
+                          </m:r>
+                        </m:e>
+                        <m:sub>
+                          <m:r>
+                            <a:rPr lang="en-US" sz="2400" b="0" i="1" smtClean="0">
+                              <a:latin typeface="Cambria Math" panose="02040503050406030204" pitchFamily="18" charset="0"/>
+                            </a:rPr>
+                            <m:t>4</m:t>
+                          </m:r>
+                        </m:sub>
+                      </m:sSub>
+                      <m:r>
+                        <a:rPr lang="en-US" sz="2400" i="1">
+                          <a:latin typeface="Cambria Math" panose="02040503050406030204" pitchFamily="18" charset="0"/>
+                        </a:rPr>
+                        <m:t>=</m:t>
+                      </m:r>
+                      <m:r>
+                        <a:rPr lang="en-US" sz="2400" b="0" i="1" smtClean="0">
+                          <a:latin typeface="Cambria Math" panose="02040503050406030204" pitchFamily="18" charset="0"/>
+                        </a:rPr>
+                        <m:t>5.25</m:t>
+                      </m:r>
+                    </m:oMath>
+                  </m:oMathPara>
+                </a14:m>
+                <a:endParaRPr lang="en-US" sz="2400" dirty="0"/>
+              </a:p>
+              <a:p>
+                <a:pPr/>
+                <a14:m>
+                  <m:oMathPara xmlns:m="http://schemas.openxmlformats.org/officeDocument/2006/math">
+                    <m:oMathParaPr>
+                      <m:jc m:val="left"/>
+                    </m:oMathParaPr>
+                    <m:oMath xmlns:m="http://schemas.openxmlformats.org/officeDocument/2006/math">
+                      <m:sSub>
+                        <m:sSubPr>
+                          <m:ctrlPr>
+                            <a:rPr lang="en-US" sz="2400" i="1">
+                              <a:latin typeface="Cambria Math" panose="02040503050406030204" pitchFamily="18" charset="0"/>
+                            </a:rPr>
+                          </m:ctrlPr>
+                        </m:sSubPr>
+                        <m:e>
+                          <m:r>
+                            <a:rPr lang="en-US" sz="2400" i="1">
+                              <a:latin typeface="Cambria Math" panose="02040503050406030204" pitchFamily="18" charset="0"/>
+                            </a:rPr>
+                            <m:t>𝑉</m:t>
+                          </m:r>
+                        </m:e>
+                        <m:sub>
+                          <m:r>
+                            <a:rPr lang="en-US" sz="2400" b="0" i="1" smtClean="0">
+                              <a:latin typeface="Cambria Math" panose="02040503050406030204" pitchFamily="18" charset="0"/>
+                            </a:rPr>
+                            <m:t>5</m:t>
+                          </m:r>
+                        </m:sub>
+                      </m:sSub>
+                      <m:r>
+                        <a:rPr lang="en-US" sz="2400" i="1">
+                          <a:latin typeface="Cambria Math" panose="02040503050406030204" pitchFamily="18" charset="0"/>
+                        </a:rPr>
+                        <m:t>=</m:t>
+                      </m:r>
+                      <m:r>
+                        <a:rPr lang="en-US" sz="2400" i="1" smtClean="0">
+                          <a:latin typeface="Cambria Math" panose="02040503050406030204" pitchFamily="18" charset="0"/>
+                        </a:rPr>
+                        <m:t>8</m:t>
+                      </m:r>
+                      <m:r>
+                        <a:rPr lang="en-US" sz="2400" b="0" i="1" smtClean="0">
+                          <a:latin typeface="Cambria Math" panose="02040503050406030204" pitchFamily="18" charset="0"/>
+                        </a:rPr>
+                        <m:t>.75</m:t>
+                      </m:r>
+                    </m:oMath>
+                  </m:oMathPara>
+                </a14:m>
+                <a:endParaRPr lang="en-US" sz="2400" dirty="0"/>
+              </a:p>
+            </p:txBody>
+          </p:sp>
+        </mc:Choice>
+        <mc:Fallback xmlns="">
+          <p:sp>
+            <p:nvSpPr>
+              <p:cNvPr id="12" name="TextBox 11">
+                <a:extLst>
+                  <a:ext uri="{FF2B5EF4-FFF2-40B4-BE49-F238E27FC236}">
+                    <a16:creationId xmlns:a16="http://schemas.microsoft.com/office/drawing/2014/main" id="{74925DE6-BF89-4DB5-9581-1C5BC6B756BD}"/>
+                  </a:ext>
+                </a:extLst>
+              </p:cNvPr>
+              <p:cNvSpPr txBox="1">
+                <a:spLocks noRot="1" noChangeAspect="1" noMove="1" noResize="1" noEditPoints="1" noAdjustHandles="1" noChangeArrowheads="1" noChangeShapeType="1" noTextEdit="1"/>
+              </p:cNvSpPr>
+              <p:nvPr/>
+            </p:nvSpPr>
+            <p:spPr>
+              <a:xfrm>
+                <a:off x="2920424" y="2566784"/>
+                <a:ext cx="3526676" cy="1938992"/>
+              </a:xfrm>
+              <a:prstGeom prst="rect">
+                <a:avLst/>
+              </a:prstGeom>
+              <a:blipFill>
+                <a:blip r:embed="rId7"/>
+                <a:stretch>
+                  <a:fillRect l="-345"/>
+                </a:stretch>
+              </a:blipFill>
+            </p:spPr>
+            <p:txBody>
+              <a:bodyPr/>
+              <a:lstStyle/>
+              <a:p>
+                <a:r>
+                  <a:rPr lang="en-US">
+                    <a:noFill/>
+                  </a:rPr>
+                  <a:t> </a:t>
+                </a:r>
+              </a:p>
+            </p:txBody>
+          </p:sp>
+        </mc:Fallback>
+      </mc:AlternateContent>
+      <p:pic>
+        <p:nvPicPr>
+          <p:cNvPr id="20" name="Picture 19">
+            <a:extLst>
+              <a:ext uri="{FF2B5EF4-FFF2-40B4-BE49-F238E27FC236}">
+                <a16:creationId xmlns:a16="http://schemas.microsoft.com/office/drawing/2014/main" id="{13A9025C-C89B-4C5C-ADB5-4667F3E2D9C7}"/>
+              </a:ext>
+            </a:extLst>
+          </p:cNvPr>
+          <p:cNvPicPr>
+            <a:picLocks noChangeAspect="1"/>
+          </p:cNvPicPr>
+          <p:nvPr/>
+        </p:nvPicPr>
+        <p:blipFill>
+          <a:blip r:embed="rId8"/>
+          <a:stretch>
+            <a:fillRect/>
+          </a:stretch>
+        </p:blipFill>
+        <p:spPr>
+          <a:xfrm>
+            <a:off x="3014328" y="5671226"/>
+            <a:ext cx="9001165" cy="425587"/>
+          </a:xfrm>
+          <a:prstGeom prst="rect">
+            <a:avLst/>
+          </a:prstGeom>
+          <a:ln w="38100">
+            <a:solidFill>
+              <a:srgbClr val="D34817"/>
+            </a:solidFill>
+          </a:ln>
+        </p:spPr>
+      </p:pic>
+    </p:spTree>
+    <p:extLst>
+      <p:ext uri="{BB962C8B-B14F-4D97-AF65-F5344CB8AC3E}">
+        <p14:creationId xmlns:p14="http://schemas.microsoft.com/office/powerpoint/2010/main" val="3103450426"/>
+      </p:ext>
+    </p:extLst>
+  </p:cSld>
+  <p:clrMapOvr>
+    <a:masterClrMapping/>
+  </p:clrMapOvr>
+</p:sld>
+</file>
+
+<file path=ppt/slides/slide11.xml><?xml version="1.0" encoding="utf-8"?>
 <p:sld xmlns:a="http://schemas.openxmlformats.org/drawingml/2006/main" xmlns:r="http://schemas.openxmlformats.org/officeDocument/2006/relationships" xmlns:p="http://schemas.openxmlformats.org/presentationml/2006/main">
   <p:cSld>
     <p:bg>
@@ -8363,7 +9520,7 @@
 </p:sld>
 </file>
 
-<file path=ppt/slides/slide11.xml><?xml version="1.0" encoding="utf-8"?>
+<file path=ppt/slides/slide12.xml><?xml version="1.0" encoding="utf-8"?>
 <p:sld xmlns:a="http://schemas.openxmlformats.org/drawingml/2006/main" xmlns:r="http://schemas.openxmlformats.org/officeDocument/2006/relationships" xmlns:p="http://schemas.openxmlformats.org/presentationml/2006/main">
   <p:cSld>
     <p:bg>
@@ -10975,7 +12132,7 @@
                 <a:effectLst/>
                 <a:latin typeface="Selawik Semibold" panose="020B0702040204020203" pitchFamily="34" charset="0"/>
               </a:rPr>
-              <a:t>Maximize the Expected Number of Points</a:t>
+              <a:t>Maximize the Expected Point Spread</a:t>
             </a:r>
           </a:p>
           <a:p>
@@ -12255,33 +13412,7 @@
                 <a:effectLst/>
                 <a:latin typeface="Selawik Semibold" panose="020B0702040204020203" pitchFamily="34" charset="0"/>
               </a:rPr>
-              <a:t>Estimated Value by Cabot, </a:t>
-            </a:r>
-            <a:r>
-              <a:rPr lang="en-US" sz="2000" dirty="0" err="1">
-                <a:solidFill>
-                  <a:schemeClr val="bg2">
-                    <a:lumMod val="10000"/>
-                    <a:lumOff val="90000"/>
-                  </a:schemeClr>
-                </a:solidFill>
-                <a:effectLst/>
-                <a:latin typeface="Selawik Semibold" panose="020B0702040204020203" pitchFamily="34" charset="0"/>
-              </a:rPr>
-              <a:t>Sagarin</a:t>
-            </a:r>
-            <a:r>
-              <a:rPr lang="en-US" sz="2000" dirty="0">
-                <a:solidFill>
-                  <a:schemeClr val="bg2">
-                    <a:lumMod val="10000"/>
-                    <a:lumOff val="90000"/>
-                  </a:schemeClr>
-                </a:solidFill>
-                <a:effectLst/>
-                <a:latin typeface="Selawik Semibold" panose="020B0702040204020203" pitchFamily="34" charset="0"/>
-              </a:rPr>
-              <a:t>, and Winston</a:t>
+              <a:t>Estimated Value by Cabot, Sagarin, and Winston (1981)</a:t>
             </a:r>
           </a:p>
           <a:p>
@@ -13893,7 +15024,7 @@
                 <a:effectLst/>
                 <a:latin typeface="Selawik Semibold" panose="020B0702040204020203" pitchFamily="34" charset="0"/>
               </a:rPr>
-              <a:t>Simplified Scenario</a:t>
+              <a:t>Updates from Brian Burke (ESPN)</a:t>
             </a:r>
           </a:p>
           <a:p>
@@ -13922,7 +15053,7 @@
                 <a:effectLst/>
                 <a:latin typeface="Selawik Semibold" panose="020B0702040204020203" pitchFamily="34" charset="0"/>
               </a:rPr>
-              <a:t>Football Field is 7 Yards</a:t>
+              <a:t>See Link on Website</a:t>
             </a:r>
           </a:p>
           <a:p>
@@ -13951,7 +15082,7 @@
                 <a:effectLst/>
                 <a:latin typeface="Selawik Semibold" panose="020B0702040204020203" pitchFamily="34" charset="0"/>
               </a:rPr>
-              <a:t>Need to Get 1 Yard to Get a First Down</a:t>
+              <a:t>“Who Scored Next?”</a:t>
             </a:r>
           </a:p>
           <a:p>
@@ -13980,7 +15111,7 @@
                 <a:effectLst/>
                 <a:latin typeface="Selawik Semibold" panose="020B0702040204020203" pitchFamily="34" charset="0"/>
               </a:rPr>
-              <a:t>Only Have 1 Play to Get a First Down</a:t>
+              <a:t>Ignored Data When |Margin| &gt; 10</a:t>
             </a:r>
           </a:p>
           <a:p>
@@ -14009,24 +15140,21 @@
                 <a:effectLst/>
                 <a:latin typeface="Selawik Semibold" panose="020B0702040204020203" pitchFamily="34" charset="0"/>
               </a:rPr>
-              <a:t>We Have 50% Chance of 1 Yard and 50% Chance of 0 Yards</a:t>
-            </a:r>
-          </a:p>
-          <a:p>
-            <a:pPr marL="377100" lvl="1" indent="0">
-              <a:spcBef>
-                <a:spcPts val="0"/>
-              </a:spcBef>
-              <a:spcAft>
-                <a:spcPts val="0"/>
-              </a:spcAft>
-              <a:buClr>
-                <a:srgbClr val="D34817"/>
-              </a:buClr>
-              <a:buSzPct val="100000"/>
-              <a:buFont typeface="Wingdings" panose="05000000000000000000" pitchFamily="2" charset="2"/>
-              <a:buChar char="v"/>
-            </a:pPr>
+              <a:t>Ignored Data in 2</a:t>
+            </a:r>
+            <a:r>
+              <a:rPr lang="en-US" sz="2000" baseline="30000" dirty="0">
+                <a:solidFill>
+                  <a:schemeClr val="bg2">
+                    <a:lumMod val="10000"/>
+                    <a:lumOff val="90000"/>
+                  </a:schemeClr>
+                </a:solidFill>
+                <a:effectLst/>
+                <a:latin typeface="Selawik Semibold" panose="020B0702040204020203" pitchFamily="34" charset="0"/>
+              </a:rPr>
+              <a:t>nd</a:t>
+            </a:r>
             <a:r>
               <a:rPr lang="en-US" sz="2000" dirty="0">
                 <a:solidFill>
@@ -14038,24 +15166,21 @@
                 <a:effectLst/>
                 <a:latin typeface="Selawik Semibold" panose="020B0702040204020203" pitchFamily="34" charset="0"/>
               </a:rPr>
-              <a:t>When Scored, We Get 7 Points and Opponent Starts on 1 Yard Line</a:t>
-            </a:r>
-          </a:p>
-          <a:p>
-            <a:pPr marL="377100" lvl="1" indent="0">
-              <a:spcBef>
-                <a:spcPts val="0"/>
-              </a:spcBef>
-              <a:spcAft>
-                <a:spcPts val="0"/>
-              </a:spcAft>
-              <a:buClr>
-                <a:srgbClr val="D34817"/>
-              </a:buClr>
-              <a:buSzPct val="100000"/>
-              <a:buFont typeface="Wingdings" panose="05000000000000000000" pitchFamily="2" charset="2"/>
-              <a:buChar char="v"/>
-            </a:pPr>
+              <a:t> and 4</a:t>
+            </a:r>
+            <a:r>
+              <a:rPr lang="en-US" sz="2000" baseline="30000" dirty="0">
+                <a:solidFill>
+                  <a:schemeClr val="bg2">
+                    <a:lumMod val="10000"/>
+                    <a:lumOff val="90000"/>
+                  </a:schemeClr>
+                </a:solidFill>
+                <a:effectLst/>
+                <a:latin typeface="Selawik Semibold" panose="020B0702040204020203" pitchFamily="34" charset="0"/>
+              </a:rPr>
+              <a:t>th</a:t>
+            </a:r>
             <a:r>
               <a:rPr lang="en-US" sz="2000" dirty="0">
                 <a:solidFill>
@@ -14067,11 +15192,11 @@
                 <a:effectLst/>
                 <a:latin typeface="Selawik Semibold" panose="020B0702040204020203" pitchFamily="34" charset="0"/>
               </a:rPr>
-              <a:t>No Field Goals or Punts</a:t>
-            </a:r>
-          </a:p>
-          <a:p>
-            <a:pPr marL="0" indent="0">
+              <a:t> Quarter</a:t>
+            </a:r>
+          </a:p>
+          <a:p>
+            <a:pPr marL="377100" lvl="1" indent="0">
               <a:spcBef>
                 <a:spcPts val="0"/>
               </a:spcBef>
@@ -14085,16 +15210,19 @@
               <a:buFont typeface="Wingdings" panose="05000000000000000000" pitchFamily="2" charset="2"/>
               <a:buChar char="v"/>
             </a:pPr>
-            <a:endParaRPr lang="en-US" sz="2200" dirty="0">
-              <a:solidFill>
-                <a:schemeClr val="bg2">
-                  <a:lumMod val="10000"/>
-                  <a:lumOff val="90000"/>
-                </a:schemeClr>
-              </a:solidFill>
-              <a:effectLst/>
-              <a:latin typeface="Selawik Semibold" panose="020B0702040204020203" pitchFamily="34" charset="0"/>
-            </a:endParaRPr>
+            <a:r>
+              <a:rPr lang="en-US" sz="2000" dirty="0">
+                <a:solidFill>
+                  <a:schemeClr val="bg2">
+                    <a:lumMod val="10000"/>
+                    <a:lumOff val="90000"/>
+                  </a:schemeClr>
+                </a:solidFill>
+                <a:effectLst/>
+                <a:latin typeface="Selawik Semibold" panose="020B0702040204020203" pitchFamily="34" charset="0"/>
+              </a:rPr>
+              <a:t>Argue: This Removes the Impact of Time</a:t>
+            </a:r>
           </a:p>
         </p:txBody>
       </p:sp>
@@ -14328,6 +15456,954 @@
       </p:pic>
       <p:pic>
         <p:nvPicPr>
+          <p:cNvPr id="3" name="Picture 2">
+            <a:extLst>
+              <a:ext uri="{FF2B5EF4-FFF2-40B4-BE49-F238E27FC236}">
+                <a16:creationId xmlns:a16="http://schemas.microsoft.com/office/drawing/2014/main" id="{F665AAC5-DD9E-6BD4-DBEF-DAED05620328}"/>
+              </a:ext>
+            </a:extLst>
+          </p:cNvPr>
+          <p:cNvPicPr>
+            <a:picLocks noChangeAspect="1"/>
+          </p:cNvPicPr>
+          <p:nvPr/>
+        </p:nvPicPr>
+        <p:blipFill>
+          <a:blip r:embed="rId7"/>
+          <a:stretch>
+            <a:fillRect/>
+          </a:stretch>
+        </p:blipFill>
+        <p:spPr>
+          <a:xfrm>
+            <a:off x="8101719" y="3429000"/>
+            <a:ext cx="3614256" cy="2722034"/>
+          </a:xfrm>
+          <a:prstGeom prst="rect">
+            <a:avLst/>
+          </a:prstGeom>
+          <a:ln w="28575">
+            <a:solidFill>
+              <a:srgbClr val="D34817"/>
+            </a:solidFill>
+          </a:ln>
+        </p:spPr>
+      </p:pic>
+    </p:spTree>
+    <p:extLst>
+      <p:ext uri="{BB962C8B-B14F-4D97-AF65-F5344CB8AC3E}">
+        <p14:creationId xmlns:p14="http://schemas.microsoft.com/office/powerpoint/2010/main" val="351492830"/>
+      </p:ext>
+    </p:extLst>
+  </p:cSld>
+  <p:clrMapOvr>
+    <a:masterClrMapping/>
+  </p:clrMapOvr>
+</p:sld>
+</file>
+
+<file path=ppt/slides/slide8.xml><?xml version="1.0" encoding="utf-8"?>
+<p:sld xmlns:a="http://schemas.openxmlformats.org/drawingml/2006/main" xmlns:r="http://schemas.openxmlformats.org/officeDocument/2006/relationships" xmlns:p="http://schemas.openxmlformats.org/presentationml/2006/main">
+  <p:cSld>
+    <p:bg>
+      <p:bgPr>
+        <a:blipFill rotWithShape="1">
+          <a:blip r:embed="rId2">
+            <a:duotone>
+              <a:schemeClr val="bg2">
+                <a:shade val="80000"/>
+                <a:lumMod val="80000"/>
+              </a:schemeClr>
+              <a:schemeClr val="bg2">
+                <a:tint val="98000"/>
+              </a:schemeClr>
+            </a:duotone>
+          </a:blip>
+          <a:stretch/>
+        </a:blipFill>
+        <a:effectLst/>
+      </p:bgPr>
+    </p:bg>
+    <p:spTree>
+      <p:nvGrpSpPr>
+        <p:cNvPr id="1" name=""/>
+        <p:cNvGrpSpPr/>
+        <p:nvPr/>
+      </p:nvGrpSpPr>
+      <p:grpSpPr>
+        <a:xfrm>
+          <a:off x="0" y="0"/>
+          <a:ext cx="0" cy="0"/>
+          <a:chOff x="0" y="0"/>
+          <a:chExt cx="0" cy="0"/>
+        </a:xfrm>
+      </p:grpSpPr>
+      <p:pic>
+        <p:nvPicPr>
+          <p:cNvPr id="21" name="Picture 20" descr="A picture containing clothing, person, headdress, baseball&#10;&#10;Description automatically generated">
+            <a:extLst>
+              <a:ext uri="{FF2B5EF4-FFF2-40B4-BE49-F238E27FC236}">
+                <a16:creationId xmlns:a16="http://schemas.microsoft.com/office/drawing/2014/main" id="{68BA132B-EA3B-4DFB-BEF2-04F4ACB3B027}"/>
+              </a:ext>
+            </a:extLst>
+          </p:cNvPr>
+          <p:cNvPicPr>
+            <a:picLocks noChangeAspect="1"/>
+          </p:cNvPicPr>
+          <p:nvPr/>
+        </p:nvPicPr>
+        <p:blipFill rotWithShape="1">
+          <a:blip r:embed="rId3">
+            <a:extLst>
+              <a:ext uri="{BEBA8EAE-BF5A-486C-A8C5-ECC9F3942E4B}">
+                <a14:imgProps xmlns:a14="http://schemas.microsoft.com/office/drawing/2010/main">
+                  <a14:imgLayer r:embed="rId4">
+                    <a14:imgEffect>
+                      <a14:colorTemperature colorTemp="11151"/>
+                    </a14:imgEffect>
+                    <a14:imgEffect>
+                      <a14:saturation sat="0"/>
+                    </a14:imgEffect>
+                  </a14:imgLayer>
+                </a14:imgProps>
+              </a:ext>
+              <a:ext uri="{28A0092B-C50C-407E-A947-70E740481C1C}">
+                <a14:useLocalDpi xmlns:a14="http://schemas.microsoft.com/office/drawing/2010/main" val="0"/>
+              </a:ext>
+            </a:extLst>
+          </a:blip>
+          <a:srcRect r="3" b="7624"/>
+          <a:stretch/>
+        </p:blipFill>
+        <p:spPr>
+          <a:xfrm>
+            <a:off x="-1051136" y="3119615"/>
+            <a:ext cx="4065464" cy="3258005"/>
+          </a:xfrm>
+          <a:prstGeom prst="rect">
+            <a:avLst/>
+          </a:prstGeom>
+        </p:spPr>
+      </p:pic>
+      <p:sp>
+        <p:nvSpPr>
+          <p:cNvPr id="41" name="Rectangle 40">
+            <a:extLst>
+              <a:ext uri="{FF2B5EF4-FFF2-40B4-BE49-F238E27FC236}">
+                <a16:creationId xmlns:a16="http://schemas.microsoft.com/office/drawing/2014/main" id="{7BDB8227-827C-484D-95AA-05C24716BEB4}"/>
+              </a:ext>
+            </a:extLst>
+          </p:cNvPr>
+          <p:cNvSpPr/>
+          <p:nvPr/>
+        </p:nvSpPr>
+        <p:spPr>
+          <a:xfrm>
+            <a:off x="1911020" y="528506"/>
+            <a:ext cx="6928179" cy="813912"/>
+          </a:xfrm>
+          <a:prstGeom prst="rect">
+            <a:avLst/>
+          </a:prstGeom>
+          <a:solidFill>
+            <a:srgbClr val="D34817"/>
+          </a:solidFill>
+        </p:spPr>
+        <p:style>
+          <a:lnRef idx="2">
+            <a:schemeClr val="accent1">
+              <a:shade val="50000"/>
+            </a:schemeClr>
+          </a:lnRef>
+          <a:fillRef idx="1">
+            <a:schemeClr val="accent1"/>
+          </a:fillRef>
+          <a:effectRef idx="0">
+            <a:schemeClr val="accent1"/>
+          </a:effectRef>
+          <a:fontRef idx="minor">
+            <a:schemeClr val="lt1"/>
+          </a:fontRef>
+        </p:style>
+        <p:txBody>
+          <a:bodyPr rtlCol="0" anchor="ctr"/>
+          <a:lstStyle/>
+          <a:p>
+            <a:pPr algn="ctr"/>
+            <a:endParaRPr lang="en-US">
+              <a:solidFill>
+                <a:srgbClr val="A6A1A1"/>
+              </a:solidFill>
+            </a:endParaRPr>
+          </a:p>
+        </p:txBody>
+      </p:sp>
+      <p:sp>
+        <p:nvSpPr>
+          <p:cNvPr id="4" name="Title 3">
+            <a:extLst>
+              <a:ext uri="{FF2B5EF4-FFF2-40B4-BE49-F238E27FC236}">
+                <a16:creationId xmlns:a16="http://schemas.microsoft.com/office/drawing/2014/main" id="{4A6C2FBC-B0EB-45C1-9469-C4F6741ECB31}"/>
+              </a:ext>
+            </a:extLst>
+          </p:cNvPr>
+          <p:cNvSpPr>
+            <a:spLocks noGrp="1"/>
+          </p:cNvSpPr>
+          <p:nvPr>
+            <p:ph type="title"/>
+          </p:nvPr>
+        </p:nvSpPr>
+        <p:spPr>
+          <a:xfrm>
+            <a:off x="1911020" y="428653"/>
+            <a:ext cx="6928179" cy="970450"/>
+          </a:xfrm>
+          <a:effectLst>
+            <a:outerShdw blurRad="25400" dir="17880000">
+              <a:srgbClr val="000000">
+                <a:alpha val="70000"/>
+              </a:srgbClr>
+            </a:outerShdw>
+          </a:effectLst>
+        </p:spPr>
+        <p:txBody>
+          <a:bodyPr>
+            <a:normAutofit/>
+          </a:bodyPr>
+          <a:lstStyle/>
+          <a:p>
+            <a:pPr algn="l"/>
+            <a:r>
+              <a:rPr lang="en-US" sz="3600" dirty="0">
+                <a:ln>
+                  <a:noFill/>
+                </a:ln>
+                <a:solidFill>
+                  <a:schemeClr val="bg2">
+                    <a:lumMod val="10000"/>
+                    <a:lumOff val="90000"/>
+                  </a:schemeClr>
+                </a:solidFill>
+                <a:effectLst/>
+                <a:latin typeface="Selawik Semibold" panose="020B0702040204020203" pitchFamily="34" charset="0"/>
+              </a:rPr>
+              <a:t>Football States and Values</a:t>
+            </a:r>
+          </a:p>
+        </p:txBody>
+      </p:sp>
+      <p:sp>
+        <p:nvSpPr>
+          <p:cNvPr id="24" name="Content Placeholder 2">
+            <a:extLst>
+              <a:ext uri="{FF2B5EF4-FFF2-40B4-BE49-F238E27FC236}">
+                <a16:creationId xmlns:a16="http://schemas.microsoft.com/office/drawing/2014/main" id="{52313B83-B214-43D7-AC39-182CE4FA3E53}"/>
+              </a:ext>
+            </a:extLst>
+          </p:cNvPr>
+          <p:cNvSpPr>
+            <a:spLocks noGrp="1"/>
+          </p:cNvSpPr>
+          <p:nvPr>
+            <p:ph idx="1"/>
+          </p:nvPr>
+        </p:nvSpPr>
+        <p:spPr>
+          <a:xfrm>
+            <a:off x="2283153" y="1490925"/>
+            <a:ext cx="9673495" cy="4838569"/>
+          </a:xfrm>
+        </p:spPr>
+        <p:txBody>
+          <a:bodyPr numCol="1" anchor="t">
+            <a:noAutofit/>
+          </a:bodyPr>
+          <a:lstStyle/>
+          <a:p>
+            <a:pPr marL="0" indent="0">
+              <a:spcBef>
+                <a:spcPts val="0"/>
+              </a:spcBef>
+              <a:spcAft>
+                <a:spcPts val="0"/>
+              </a:spcAft>
+              <a:buClr>
+                <a:srgbClr val="D34817"/>
+              </a:buClr>
+              <a:buSzPct val="100000"/>
+              <a:buFont typeface="Wingdings" panose="05000000000000000000" pitchFamily="2" charset="2"/>
+              <a:buChar char="v"/>
+            </a:pPr>
+            <a:r>
+              <a:rPr lang="en-US" sz="2400" dirty="0">
+                <a:solidFill>
+                  <a:schemeClr val="bg2">
+                    <a:lumMod val="10000"/>
+                    <a:lumOff val="90000"/>
+                  </a:schemeClr>
+                </a:solidFill>
+                <a:effectLst/>
+                <a:latin typeface="Selawik Semibold" panose="020B0702040204020203" pitchFamily="34" charset="0"/>
+              </a:rPr>
+              <a:t>Paper by </a:t>
+            </a:r>
+            <a:r>
+              <a:rPr lang="en-US" sz="2400" dirty="0" err="1">
+                <a:solidFill>
+                  <a:schemeClr val="bg2">
+                    <a:lumMod val="10000"/>
+                    <a:lumOff val="90000"/>
+                  </a:schemeClr>
+                </a:solidFill>
+                <a:effectLst/>
+                <a:latin typeface="Selawik Semibold" panose="020B0702040204020203" pitchFamily="34" charset="0"/>
+              </a:rPr>
+              <a:t>Yurko</a:t>
+            </a:r>
+            <a:r>
+              <a:rPr lang="en-US" sz="2400" dirty="0">
+                <a:solidFill>
+                  <a:schemeClr val="bg2">
+                    <a:lumMod val="10000"/>
+                    <a:lumOff val="90000"/>
+                  </a:schemeClr>
+                </a:solidFill>
+                <a:effectLst/>
+                <a:latin typeface="Selawik Semibold" panose="020B0702040204020203" pitchFamily="34" charset="0"/>
+              </a:rPr>
+              <a:t>, Ventura, and Horowitz (2019)</a:t>
+            </a:r>
+          </a:p>
+          <a:p>
+            <a:pPr marL="377100" lvl="1" indent="0">
+              <a:spcBef>
+                <a:spcPts val="0"/>
+              </a:spcBef>
+              <a:spcAft>
+                <a:spcPts val="0"/>
+              </a:spcAft>
+              <a:buClr>
+                <a:srgbClr val="D34817"/>
+              </a:buClr>
+              <a:buSzPct val="100000"/>
+              <a:buFont typeface="Wingdings" panose="05000000000000000000" pitchFamily="2" charset="2"/>
+              <a:buChar char="v"/>
+            </a:pPr>
+            <a:r>
+              <a:rPr lang="en-US" sz="2000" dirty="0">
+                <a:solidFill>
+                  <a:schemeClr val="bg2">
+                    <a:lumMod val="10000"/>
+                    <a:lumOff val="90000"/>
+                  </a:schemeClr>
+                </a:solidFill>
+                <a:effectLst/>
+                <a:latin typeface="Selawik Semibold" panose="020B0702040204020203" pitchFamily="34" charset="0"/>
+              </a:rPr>
+              <a:t>Used a Multinomial Logistic Regression Model</a:t>
+            </a:r>
+          </a:p>
+          <a:p>
+            <a:pPr marL="377100" lvl="1" indent="0">
+              <a:spcBef>
+                <a:spcPts val="0"/>
+              </a:spcBef>
+              <a:spcAft>
+                <a:spcPts val="0"/>
+              </a:spcAft>
+              <a:buClr>
+                <a:srgbClr val="D34817"/>
+              </a:buClr>
+              <a:buSzPct val="100000"/>
+              <a:buFont typeface="Wingdings" panose="05000000000000000000" pitchFamily="2" charset="2"/>
+              <a:buChar char="v"/>
+            </a:pPr>
+            <a:r>
+              <a:rPr lang="en-US" sz="2000" dirty="0">
+                <a:solidFill>
+                  <a:schemeClr val="bg2">
+                    <a:lumMod val="10000"/>
+                    <a:lumOff val="90000"/>
+                  </a:schemeClr>
+                </a:solidFill>
+                <a:effectLst/>
+                <a:latin typeface="Selawik Semibold" panose="020B0702040204020203" pitchFamily="34" charset="0"/>
+              </a:rPr>
+              <a:t>Estimated Probability of the Next Scoring Event</a:t>
+            </a:r>
+          </a:p>
+          <a:p>
+            <a:pPr marL="377100" lvl="1" indent="0">
+              <a:spcBef>
+                <a:spcPts val="0"/>
+              </a:spcBef>
+              <a:spcAft>
+                <a:spcPts val="0"/>
+              </a:spcAft>
+              <a:buClr>
+                <a:srgbClr val="D34817"/>
+              </a:buClr>
+              <a:buSzPct val="100000"/>
+              <a:buFont typeface="Wingdings" panose="05000000000000000000" pitchFamily="2" charset="2"/>
+              <a:buChar char="v"/>
+            </a:pPr>
+            <a:r>
+              <a:rPr lang="en-US" sz="2000" dirty="0">
+                <a:solidFill>
+                  <a:schemeClr val="bg2">
+                    <a:lumMod val="10000"/>
+                    <a:lumOff val="90000"/>
+                  </a:schemeClr>
+                </a:solidFill>
+                <a:effectLst/>
+                <a:latin typeface="Selawik Semibold" panose="020B0702040204020203" pitchFamily="34" charset="0"/>
+              </a:rPr>
+              <a:t>Calculate Expected Points from this Model</a:t>
+            </a:r>
+          </a:p>
+          <a:p>
+            <a:pPr marL="377100" lvl="1" indent="0">
+              <a:spcBef>
+                <a:spcPts val="0"/>
+              </a:spcBef>
+              <a:spcAft>
+                <a:spcPts val="0"/>
+              </a:spcAft>
+              <a:buClr>
+                <a:srgbClr val="D34817"/>
+              </a:buClr>
+              <a:buSzPct val="100000"/>
+              <a:buFont typeface="Wingdings" panose="05000000000000000000" pitchFamily="2" charset="2"/>
+              <a:buChar char="v"/>
+            </a:pPr>
+            <a:r>
+              <a:rPr lang="en-US" sz="2000" dirty="0">
+                <a:solidFill>
+                  <a:schemeClr val="bg2">
+                    <a:lumMod val="10000"/>
+                    <a:lumOff val="90000"/>
+                  </a:schemeClr>
+                </a:solidFill>
+                <a:effectLst/>
+                <a:latin typeface="Selawik Semibold" panose="020B0702040204020203" pitchFamily="34" charset="0"/>
+              </a:rPr>
+              <a:t>Example</a:t>
+            </a:r>
+          </a:p>
+          <a:p>
+            <a:pPr marL="377100" lvl="1" indent="0">
+              <a:spcBef>
+                <a:spcPts val="0"/>
+              </a:spcBef>
+              <a:spcAft>
+                <a:spcPts val="0"/>
+              </a:spcAft>
+              <a:buClr>
+                <a:srgbClr val="D34817"/>
+              </a:buClr>
+              <a:buSzPct val="100000"/>
+              <a:buFont typeface="Wingdings" panose="05000000000000000000" pitchFamily="2" charset="2"/>
+              <a:buChar char="v"/>
+            </a:pPr>
+            <a:endParaRPr lang="en-US" sz="2000" dirty="0">
+              <a:solidFill>
+                <a:schemeClr val="bg2">
+                  <a:lumMod val="10000"/>
+                  <a:lumOff val="90000"/>
+                </a:schemeClr>
+              </a:solidFill>
+              <a:effectLst/>
+              <a:latin typeface="Selawik Semibold" panose="020B0702040204020203" pitchFamily="34" charset="0"/>
+            </a:endParaRPr>
+          </a:p>
+          <a:p>
+            <a:pPr marL="377100" lvl="1" indent="0">
+              <a:spcBef>
+                <a:spcPts val="0"/>
+              </a:spcBef>
+              <a:spcAft>
+                <a:spcPts val="0"/>
+              </a:spcAft>
+              <a:buClr>
+                <a:srgbClr val="D34817"/>
+              </a:buClr>
+              <a:buSzPct val="100000"/>
+              <a:buFont typeface="Wingdings" panose="05000000000000000000" pitchFamily="2" charset="2"/>
+              <a:buChar char="v"/>
+            </a:pPr>
+            <a:endParaRPr lang="en-US" sz="2000" dirty="0">
+              <a:solidFill>
+                <a:schemeClr val="bg2">
+                  <a:lumMod val="10000"/>
+                  <a:lumOff val="90000"/>
+                </a:schemeClr>
+              </a:solidFill>
+              <a:effectLst/>
+              <a:latin typeface="Selawik Semibold" panose="020B0702040204020203" pitchFamily="34" charset="0"/>
+            </a:endParaRPr>
+          </a:p>
+          <a:p>
+            <a:pPr marL="0" indent="0">
+              <a:spcBef>
+                <a:spcPts val="0"/>
+              </a:spcBef>
+              <a:spcAft>
+                <a:spcPts val="0"/>
+              </a:spcAft>
+              <a:buClr>
+                <a:srgbClr val="D34817"/>
+              </a:buClr>
+              <a:buSzPct val="100000"/>
+              <a:buFont typeface="Wingdings" panose="05000000000000000000" pitchFamily="2" charset="2"/>
+              <a:buChar char="v"/>
+            </a:pPr>
+            <a:r>
+              <a:rPr lang="en-US" sz="2200" dirty="0">
+                <a:solidFill>
+                  <a:schemeClr val="bg2">
+                    <a:lumMod val="10000"/>
+                    <a:lumOff val="90000"/>
+                  </a:schemeClr>
+                </a:solidFill>
+                <a:effectLst/>
+                <a:latin typeface="Selawik Semibold" panose="020B0702040204020203" pitchFamily="34" charset="0"/>
+              </a:rPr>
+              <a:t>Simplified Scenario (Method Used by CSW)</a:t>
+            </a:r>
+          </a:p>
+          <a:p>
+            <a:pPr marL="377100" lvl="1" indent="0">
+              <a:spcBef>
+                <a:spcPts val="0"/>
+              </a:spcBef>
+              <a:spcAft>
+                <a:spcPts val="0"/>
+              </a:spcAft>
+              <a:buClr>
+                <a:srgbClr val="D34817"/>
+              </a:buClr>
+              <a:buSzPct val="100000"/>
+              <a:buFont typeface="Wingdings" panose="05000000000000000000" pitchFamily="2" charset="2"/>
+              <a:buChar char="v"/>
+            </a:pPr>
+            <a:r>
+              <a:rPr lang="en-US" sz="2000" dirty="0">
+                <a:solidFill>
+                  <a:schemeClr val="bg2">
+                    <a:lumMod val="10000"/>
+                    <a:lumOff val="90000"/>
+                  </a:schemeClr>
+                </a:solidFill>
+                <a:effectLst/>
+                <a:latin typeface="Selawik Semibold" panose="020B0702040204020203" pitchFamily="34" charset="0"/>
+              </a:rPr>
+              <a:t>Football Field is 7 Yards</a:t>
+            </a:r>
+          </a:p>
+          <a:p>
+            <a:pPr marL="377100" lvl="1" indent="0">
+              <a:spcBef>
+                <a:spcPts val="0"/>
+              </a:spcBef>
+              <a:spcAft>
+                <a:spcPts val="0"/>
+              </a:spcAft>
+              <a:buClr>
+                <a:srgbClr val="D34817"/>
+              </a:buClr>
+              <a:buSzPct val="100000"/>
+              <a:buFont typeface="Wingdings" panose="05000000000000000000" pitchFamily="2" charset="2"/>
+              <a:buChar char="v"/>
+            </a:pPr>
+            <a:r>
+              <a:rPr lang="en-US" sz="2000" dirty="0">
+                <a:solidFill>
+                  <a:schemeClr val="bg2">
+                    <a:lumMod val="10000"/>
+                    <a:lumOff val="90000"/>
+                  </a:schemeClr>
+                </a:solidFill>
+                <a:effectLst/>
+                <a:latin typeface="Selawik Semibold" panose="020B0702040204020203" pitchFamily="34" charset="0"/>
+              </a:rPr>
+              <a:t>Need to Get 1 Yard to Get a First Down</a:t>
+            </a:r>
+          </a:p>
+          <a:p>
+            <a:pPr marL="377100" lvl="1" indent="0">
+              <a:spcBef>
+                <a:spcPts val="0"/>
+              </a:spcBef>
+              <a:spcAft>
+                <a:spcPts val="0"/>
+              </a:spcAft>
+              <a:buClr>
+                <a:srgbClr val="D34817"/>
+              </a:buClr>
+              <a:buSzPct val="100000"/>
+              <a:buFont typeface="Wingdings" panose="05000000000000000000" pitchFamily="2" charset="2"/>
+              <a:buChar char="v"/>
+            </a:pPr>
+            <a:r>
+              <a:rPr lang="en-US" sz="2000" dirty="0">
+                <a:solidFill>
+                  <a:schemeClr val="bg2">
+                    <a:lumMod val="10000"/>
+                    <a:lumOff val="90000"/>
+                  </a:schemeClr>
+                </a:solidFill>
+                <a:effectLst/>
+                <a:latin typeface="Selawik Semibold" panose="020B0702040204020203" pitchFamily="34" charset="0"/>
+              </a:rPr>
+              <a:t>Only Have 1 Play to Get a First Down</a:t>
+            </a:r>
+          </a:p>
+          <a:p>
+            <a:pPr marL="377100" lvl="1" indent="0">
+              <a:spcBef>
+                <a:spcPts val="0"/>
+              </a:spcBef>
+              <a:spcAft>
+                <a:spcPts val="0"/>
+              </a:spcAft>
+              <a:buClr>
+                <a:srgbClr val="D34817"/>
+              </a:buClr>
+              <a:buSzPct val="100000"/>
+              <a:buFont typeface="Wingdings" panose="05000000000000000000" pitchFamily="2" charset="2"/>
+              <a:buChar char="v"/>
+            </a:pPr>
+            <a:r>
+              <a:rPr lang="en-US" sz="2000" dirty="0">
+                <a:solidFill>
+                  <a:schemeClr val="bg2">
+                    <a:lumMod val="10000"/>
+                    <a:lumOff val="90000"/>
+                  </a:schemeClr>
+                </a:solidFill>
+                <a:effectLst/>
+                <a:latin typeface="Selawik Semibold" panose="020B0702040204020203" pitchFamily="34" charset="0"/>
+              </a:rPr>
+              <a:t>We Have 50% Chance of 1 Yard and 50% Chance of 0 Yards</a:t>
+            </a:r>
+          </a:p>
+          <a:p>
+            <a:pPr marL="377100" lvl="1" indent="0">
+              <a:spcBef>
+                <a:spcPts val="0"/>
+              </a:spcBef>
+              <a:spcAft>
+                <a:spcPts val="0"/>
+              </a:spcAft>
+              <a:buClr>
+                <a:srgbClr val="D34817"/>
+              </a:buClr>
+              <a:buSzPct val="100000"/>
+              <a:buFont typeface="Wingdings" panose="05000000000000000000" pitchFamily="2" charset="2"/>
+              <a:buChar char="v"/>
+            </a:pPr>
+            <a:r>
+              <a:rPr lang="en-US" sz="2000" dirty="0">
+                <a:solidFill>
+                  <a:schemeClr val="bg2">
+                    <a:lumMod val="10000"/>
+                    <a:lumOff val="90000"/>
+                  </a:schemeClr>
+                </a:solidFill>
+                <a:effectLst/>
+                <a:latin typeface="Selawik Semibold" panose="020B0702040204020203" pitchFamily="34" charset="0"/>
+              </a:rPr>
+              <a:t>When Scored, We Get 7 Points and Opponent Starts on 1 Yard Line</a:t>
+            </a:r>
+          </a:p>
+          <a:p>
+            <a:pPr marL="377100" lvl="1" indent="0">
+              <a:spcBef>
+                <a:spcPts val="0"/>
+              </a:spcBef>
+              <a:spcAft>
+                <a:spcPts val="0"/>
+              </a:spcAft>
+              <a:buClr>
+                <a:srgbClr val="D34817"/>
+              </a:buClr>
+              <a:buSzPct val="100000"/>
+              <a:buFont typeface="Wingdings" panose="05000000000000000000" pitchFamily="2" charset="2"/>
+              <a:buChar char="v"/>
+            </a:pPr>
+            <a:r>
+              <a:rPr lang="en-US" sz="2000" dirty="0">
+                <a:solidFill>
+                  <a:schemeClr val="bg2">
+                    <a:lumMod val="10000"/>
+                    <a:lumOff val="90000"/>
+                  </a:schemeClr>
+                </a:solidFill>
+                <a:effectLst/>
+                <a:latin typeface="Selawik Semibold" panose="020B0702040204020203" pitchFamily="34" charset="0"/>
+              </a:rPr>
+              <a:t>No Field Goals or Punts</a:t>
+            </a:r>
+          </a:p>
+          <a:p>
+            <a:pPr marL="0" indent="0">
+              <a:spcBef>
+                <a:spcPts val="0"/>
+              </a:spcBef>
+              <a:spcAft>
+                <a:spcPts val="0"/>
+              </a:spcAft>
+              <a:buClr>
+                <a:srgbClr val="D34817"/>
+              </a:buClr>
+              <a:buSzPct val="100000"/>
+              <a:buFont typeface="Wingdings" panose="05000000000000000000" pitchFamily="2" charset="2"/>
+              <a:buChar char="v"/>
+            </a:pPr>
+            <a:endParaRPr lang="en-US" sz="2200" dirty="0">
+              <a:solidFill>
+                <a:schemeClr val="bg2">
+                  <a:lumMod val="10000"/>
+                  <a:lumOff val="90000"/>
+                </a:schemeClr>
+              </a:solidFill>
+              <a:effectLst/>
+              <a:latin typeface="Selawik Semibold" panose="020B0702040204020203" pitchFamily="34" charset="0"/>
+            </a:endParaRPr>
+          </a:p>
+        </p:txBody>
+      </p:sp>
+      <p:pic>
+        <p:nvPicPr>
+          <p:cNvPr id="40" name="Graphic 39" descr="Football">
+            <a:extLst>
+              <a:ext uri="{FF2B5EF4-FFF2-40B4-BE49-F238E27FC236}">
+                <a16:creationId xmlns:a16="http://schemas.microsoft.com/office/drawing/2014/main" id="{43103FBA-298C-4A8C-8E68-C9DFEB1CFAF5}"/>
+              </a:ext>
+            </a:extLst>
+          </p:cNvPr>
+          <p:cNvPicPr>
+            <a:picLocks noChangeAspect="1"/>
+          </p:cNvPicPr>
+          <p:nvPr/>
+        </p:nvPicPr>
+        <p:blipFill>
+          <a:blip r:embed="rId5">
+            <a:extLst>
+              <a:ext uri="{28A0092B-C50C-407E-A947-70E740481C1C}">
+                <a14:useLocalDpi xmlns:a14="http://schemas.microsoft.com/office/drawing/2010/main" val="0"/>
+              </a:ext>
+              <a:ext uri="{96DAC541-7B7A-43D3-8B79-37D633B846F1}">
+                <asvg:svgBlip xmlns:asvg="http://schemas.microsoft.com/office/drawing/2016/SVG/main" r:embed="rId6"/>
+              </a:ext>
+            </a:extLst>
+          </a:blip>
+          <a:stretch>
+            <a:fillRect/>
+          </a:stretch>
+        </p:blipFill>
+        <p:spPr>
+          <a:xfrm>
+            <a:off x="8917272" y="232079"/>
+            <a:ext cx="1406766" cy="1406766"/>
+          </a:xfrm>
+          <a:prstGeom prst="rect">
+            <a:avLst/>
+          </a:prstGeom>
+        </p:spPr>
+      </p:pic>
+      <p:sp>
+        <p:nvSpPr>
+          <p:cNvPr id="17" name="Rectangle 16">
+            <a:extLst>
+              <a:ext uri="{FF2B5EF4-FFF2-40B4-BE49-F238E27FC236}">
+                <a16:creationId xmlns:a16="http://schemas.microsoft.com/office/drawing/2014/main" id="{5020441A-C920-4B5D-B423-02BDA4A265D5}"/>
+              </a:ext>
+            </a:extLst>
+          </p:cNvPr>
+          <p:cNvSpPr/>
+          <p:nvPr/>
+        </p:nvSpPr>
+        <p:spPr>
+          <a:xfrm>
+            <a:off x="0" y="6363870"/>
+            <a:ext cx="12192000" cy="280807"/>
+          </a:xfrm>
+          <a:prstGeom prst="rect">
+            <a:avLst/>
+          </a:prstGeom>
+          <a:solidFill>
+            <a:srgbClr val="D34817"/>
+          </a:solidFill>
+          <a:ln>
+            <a:noFill/>
+          </a:ln>
+        </p:spPr>
+        <p:style>
+          <a:lnRef idx="2">
+            <a:schemeClr val="accent1">
+              <a:shade val="50000"/>
+            </a:schemeClr>
+          </a:lnRef>
+          <a:fillRef idx="1">
+            <a:schemeClr val="accent1"/>
+          </a:fillRef>
+          <a:effectRef idx="0">
+            <a:schemeClr val="accent1"/>
+          </a:effectRef>
+          <a:fontRef idx="minor">
+            <a:schemeClr val="lt1"/>
+          </a:fontRef>
+        </p:style>
+        <p:txBody>
+          <a:bodyPr rtlCol="0" anchor="ctr"/>
+          <a:lstStyle/>
+          <a:p>
+            <a:pPr algn="ctr"/>
+            <a:endParaRPr lang="en-US"/>
+          </a:p>
+        </p:txBody>
+      </p:sp>
+      <p:sp>
+        <p:nvSpPr>
+          <p:cNvPr id="43" name="Rectangle 42">
+            <a:extLst>
+              <a:ext uri="{FF2B5EF4-FFF2-40B4-BE49-F238E27FC236}">
+                <a16:creationId xmlns:a16="http://schemas.microsoft.com/office/drawing/2014/main" id="{50A0A4F6-DDDF-466F-B88A-4EAD2319B32D}"/>
+              </a:ext>
+            </a:extLst>
+          </p:cNvPr>
+          <p:cNvSpPr/>
+          <p:nvPr/>
+        </p:nvSpPr>
+        <p:spPr>
+          <a:xfrm>
+            <a:off x="10402110" y="528506"/>
+            <a:ext cx="1789889" cy="813912"/>
+          </a:xfrm>
+          <a:prstGeom prst="rect">
+            <a:avLst/>
+          </a:prstGeom>
+          <a:solidFill>
+            <a:srgbClr val="D34817"/>
+          </a:solidFill>
+        </p:spPr>
+        <p:style>
+          <a:lnRef idx="2">
+            <a:schemeClr val="accent1">
+              <a:shade val="50000"/>
+            </a:schemeClr>
+          </a:lnRef>
+          <a:fillRef idx="1">
+            <a:schemeClr val="accent1"/>
+          </a:fillRef>
+          <a:effectRef idx="0">
+            <a:schemeClr val="accent1"/>
+          </a:effectRef>
+          <a:fontRef idx="minor">
+            <a:schemeClr val="lt1"/>
+          </a:fontRef>
+        </p:style>
+        <p:txBody>
+          <a:bodyPr rtlCol="0" anchor="ctr"/>
+          <a:lstStyle/>
+          <a:p>
+            <a:pPr algn="ctr"/>
+            <a:endParaRPr lang="en-US"/>
+          </a:p>
+        </p:txBody>
+      </p:sp>
+      <p:sp>
+        <p:nvSpPr>
+          <p:cNvPr id="46" name="Rectangle 45">
+            <a:extLst>
+              <a:ext uri="{FF2B5EF4-FFF2-40B4-BE49-F238E27FC236}">
+                <a16:creationId xmlns:a16="http://schemas.microsoft.com/office/drawing/2014/main" id="{4E8668F5-2350-4974-AA4D-876D0CD42EDD}"/>
+              </a:ext>
+            </a:extLst>
+          </p:cNvPr>
+          <p:cNvSpPr/>
+          <p:nvPr/>
+        </p:nvSpPr>
+        <p:spPr>
+          <a:xfrm>
+            <a:off x="-112743" y="528506"/>
+            <a:ext cx="470541" cy="813912"/>
+          </a:xfrm>
+          <a:prstGeom prst="rect">
+            <a:avLst/>
+          </a:prstGeom>
+          <a:solidFill>
+            <a:srgbClr val="D34817"/>
+          </a:solidFill>
+        </p:spPr>
+        <p:style>
+          <a:lnRef idx="2">
+            <a:schemeClr val="accent1">
+              <a:shade val="50000"/>
+            </a:schemeClr>
+          </a:lnRef>
+          <a:fillRef idx="1">
+            <a:schemeClr val="accent1"/>
+          </a:fillRef>
+          <a:effectRef idx="0">
+            <a:schemeClr val="accent1"/>
+          </a:effectRef>
+          <a:fontRef idx="minor">
+            <a:schemeClr val="lt1"/>
+          </a:fontRef>
+        </p:style>
+        <p:txBody>
+          <a:bodyPr rtlCol="0" anchor="ctr"/>
+          <a:lstStyle/>
+          <a:p>
+            <a:pPr algn="ctr"/>
+            <a:endParaRPr lang="en-US"/>
+          </a:p>
+        </p:txBody>
+      </p:sp>
+      <p:pic>
+        <p:nvPicPr>
+          <p:cNvPr id="47" name="Graphic 46" descr="Football">
+            <a:extLst>
+              <a:ext uri="{FF2B5EF4-FFF2-40B4-BE49-F238E27FC236}">
+                <a16:creationId xmlns:a16="http://schemas.microsoft.com/office/drawing/2014/main" id="{BBBD34EB-97F5-4783-BE1A-4ADD4D05EBF0}"/>
+              </a:ext>
+            </a:extLst>
+          </p:cNvPr>
+          <p:cNvPicPr>
+            <a:picLocks noChangeAspect="1"/>
+          </p:cNvPicPr>
+          <p:nvPr/>
+        </p:nvPicPr>
+        <p:blipFill>
+          <a:blip r:embed="rId5">
+            <a:extLst>
+              <a:ext uri="{28A0092B-C50C-407E-A947-70E740481C1C}">
+                <a14:useLocalDpi xmlns:a14="http://schemas.microsoft.com/office/drawing/2010/main" val="0"/>
+              </a:ext>
+              <a:ext uri="{96DAC541-7B7A-43D3-8B79-37D633B846F1}">
+                <asvg:svgBlip xmlns:asvg="http://schemas.microsoft.com/office/drawing/2016/SVG/main" r:embed="rId6"/>
+              </a:ext>
+            </a:extLst>
+          </a:blip>
+          <a:stretch>
+            <a:fillRect/>
+          </a:stretch>
+        </p:blipFill>
+        <p:spPr>
+          <a:xfrm>
+            <a:off x="426182" y="210495"/>
+            <a:ext cx="1406766" cy="1406766"/>
+          </a:xfrm>
+          <a:prstGeom prst="rect">
+            <a:avLst/>
+          </a:prstGeom>
+        </p:spPr>
+      </p:pic>
+      <p:pic>
+        <p:nvPicPr>
           <p:cNvPr id="18" name="Picture 17">
             <a:extLst>
               <a:ext uri="{FF2B5EF4-FFF2-40B4-BE49-F238E27FC236}">
@@ -14348,7 +16424,7 @@
         </p:blipFill>
         <p:spPr>
           <a:xfrm>
-            <a:off x="2955483" y="5756428"/>
+            <a:off x="2984906" y="6037435"/>
             <a:ext cx="9001165" cy="425587"/>
           </a:xfrm>
           <a:prstGeom prst="rect">
@@ -14361,10 +16437,153 @@
           </a:ln>
         </p:spPr>
       </p:pic>
+      <mc:AlternateContent xmlns:mc="http://schemas.openxmlformats.org/markup-compatibility/2006">
+        <mc:Choice xmlns:a14="http://schemas.microsoft.com/office/drawing/2010/main" Requires="a14">
+          <p:sp>
+            <p:nvSpPr>
+              <p:cNvPr id="2" name="TextBox 1">
+                <a:extLst>
+                  <a:ext uri="{FF2B5EF4-FFF2-40B4-BE49-F238E27FC236}">
+                    <a16:creationId xmlns:a16="http://schemas.microsoft.com/office/drawing/2014/main" id="{7B20BB60-1215-3435-A204-451F135E6432}"/>
+                  </a:ext>
+                </a:extLst>
+              </p:cNvPr>
+              <p:cNvSpPr txBox="1"/>
+              <p:nvPr/>
+            </p:nvSpPr>
+            <p:spPr>
+              <a:xfrm>
+                <a:off x="3978692" y="3069679"/>
+                <a:ext cx="5930155" cy="369332"/>
+              </a:xfrm>
+              <a:prstGeom prst="rect">
+                <a:avLst/>
+              </a:prstGeom>
+              <a:noFill/>
+            </p:spPr>
+            <p:txBody>
+              <a:bodyPr wrap="square" rtlCol="0">
+                <a:spAutoFit/>
+              </a:bodyPr>
+              <a:lstStyle/>
+              <a:p>
+                <a14:m>
+                  <m:oMathPara xmlns:m="http://schemas.openxmlformats.org/officeDocument/2006/math">
+                    <m:oMathParaPr>
+                      <m:jc m:val="centerGroup"/>
+                    </m:oMathParaPr>
+                    <m:oMath xmlns:m="http://schemas.openxmlformats.org/officeDocument/2006/math">
+                      <m:r>
+                        <a:rPr lang="en-US" b="0" i="1" smtClean="0">
+                          <a:latin typeface="Cambria Math" panose="02040503050406030204" pitchFamily="18" charset="0"/>
+                        </a:rPr>
+                        <m:t>𝐸</m:t>
+                      </m:r>
+                      <m:d>
+                        <m:dPr>
+                          <m:begChr m:val="["/>
+                          <m:endChr m:val="]"/>
+                          <m:ctrlPr>
+                            <a:rPr lang="en-US" b="0" i="1" smtClean="0">
+                              <a:latin typeface="Cambria Math" panose="02040503050406030204" pitchFamily="18" charset="0"/>
+                            </a:rPr>
+                          </m:ctrlPr>
+                        </m:dPr>
+                        <m:e>
+                          <m:r>
+                            <a:rPr lang="en-US" b="0" i="1" smtClean="0">
+                              <a:latin typeface="Cambria Math" panose="02040503050406030204" pitchFamily="18" charset="0"/>
+                            </a:rPr>
+                            <m:t>𝑀𝑎𝑟𝑔𝑖𝑛</m:t>
+                          </m:r>
+                        </m:e>
+                      </m:d>
+                      <m:r>
+                        <a:rPr lang="en-US" b="0" i="1" smtClean="0">
+                          <a:latin typeface="Cambria Math" panose="02040503050406030204" pitchFamily="18" charset="0"/>
+                        </a:rPr>
+                        <m:t>=0.3∗6+0.4∗</m:t>
+                      </m:r>
+                      <m:d>
+                        <m:dPr>
+                          <m:ctrlPr>
+                            <a:rPr lang="en-US" b="0" i="1" smtClean="0">
+                              <a:latin typeface="Cambria Math" panose="02040503050406030204" pitchFamily="18" charset="0"/>
+                            </a:rPr>
+                          </m:ctrlPr>
+                        </m:dPr>
+                        <m:e>
+                          <m:r>
+                            <a:rPr lang="en-US" b="0" i="1" smtClean="0">
+                              <a:latin typeface="Cambria Math" panose="02040503050406030204" pitchFamily="18" charset="0"/>
+                            </a:rPr>
+                            <m:t>−6</m:t>
+                          </m:r>
+                        </m:e>
+                      </m:d>
+                      <m:r>
+                        <a:rPr lang="en-US" b="0" i="1" smtClean="0">
+                          <a:latin typeface="Cambria Math" panose="02040503050406030204" pitchFamily="18" charset="0"/>
+                        </a:rPr>
+                        <m:t>+0.2∗3+0.1∗(−3)</m:t>
+                      </m:r>
+                    </m:oMath>
+                  </m:oMathPara>
+                </a14:m>
+                <a:endParaRPr lang="en-US" dirty="0"/>
+              </a:p>
+            </p:txBody>
+          </p:sp>
+        </mc:Choice>
+        <mc:Fallback>
+          <p:sp>
+            <p:nvSpPr>
+              <p:cNvPr id="2" name="TextBox 1">
+                <a:extLst>
+                  <a:ext uri="{FF2B5EF4-FFF2-40B4-BE49-F238E27FC236}">
+                    <a16:creationId xmlns:a16="http://schemas.microsoft.com/office/drawing/2014/main" id="{7B20BB60-1215-3435-A204-451F135E6432}"/>
+                  </a:ext>
+                </a:extLst>
+              </p:cNvPr>
+              <p:cNvSpPr txBox="1">
+                <a:spLocks noRot="1" noChangeAspect="1" noMove="1" noResize="1" noEditPoints="1" noAdjustHandles="1" noChangeArrowheads="1" noChangeShapeType="1" noTextEdit="1"/>
+              </p:cNvSpPr>
+              <p:nvPr/>
+            </p:nvSpPr>
+            <p:spPr>
+              <a:xfrm>
+                <a:off x="3978692" y="3069679"/>
+                <a:ext cx="5930155" cy="369332"/>
+              </a:xfrm>
+              <a:prstGeom prst="rect">
+                <a:avLst/>
+              </a:prstGeom>
+              <a:blipFill>
+                <a:blip r:embed="rId8"/>
+                <a:stretch>
+                  <a:fillRect b="-15000"/>
+                </a:stretch>
+              </a:blipFill>
+            </p:spPr>
+            <p:txBody>
+              <a:bodyPr/>
+              <a:lstStyle/>
+              <a:p>
+                <a:r>
+                  <a:rPr lang="en-US">
+                    <a:noFill/>
+                  </a:rPr>
+                  <a:t> </a:t>
+                </a:r>
+              </a:p>
+            </p:txBody>
+          </p:sp>
+        </mc:Fallback>
+      </mc:AlternateContent>
     </p:spTree>
     <p:extLst>
       <p:ext uri="{BB962C8B-B14F-4D97-AF65-F5344CB8AC3E}">
-        <p14:creationId xmlns:p14="http://schemas.microsoft.com/office/powerpoint/2010/main" val="351492830"/>
+        <p14:creationId xmlns:p14="http://schemas.microsoft.com/office/powerpoint/2010/main" val="1210985008"/>
       </p:ext>
     </p:extLst>
   </p:cSld>
@@ -14374,7 +16593,7 @@
 </p:sld>
 </file>
 
-<file path=ppt/slides/slide8.xml><?xml version="1.0" encoding="utf-8"?>
+<file path=ppt/slides/slide9.xml><?xml version="1.0" encoding="utf-8"?>
 <p:sld xmlns:a="http://schemas.openxmlformats.org/drawingml/2006/main" xmlns:r="http://schemas.openxmlformats.org/officeDocument/2006/relationships" xmlns:p="http://schemas.openxmlformats.org/presentationml/2006/main">
   <p:cSld>
     <p:bg>
@@ -15946,7 +18165,7 @@
           <p:nvPr/>
         </p:nvPicPr>
         <p:blipFill>
-          <a:blip r:embed="rId9"/>
+          <a:blip r:embed="rId7"/>
           <a:stretch>
             <a:fillRect/>
           </a:stretch>
@@ -15970,1162 +18189,6 @@
     <p:extLst>
       <p:ext uri="{BB962C8B-B14F-4D97-AF65-F5344CB8AC3E}">
         <p14:creationId xmlns:p14="http://schemas.microsoft.com/office/powerpoint/2010/main" val="67345245"/>
-      </p:ext>
-    </p:extLst>
-  </p:cSld>
-  <p:clrMapOvr>
-    <a:masterClrMapping/>
-  </p:clrMapOvr>
-</p:sld>
-</file>
-
-<file path=ppt/slides/slide9.xml><?xml version="1.0" encoding="utf-8"?>
-<p:sld xmlns:a="http://schemas.openxmlformats.org/drawingml/2006/main" xmlns:r="http://schemas.openxmlformats.org/officeDocument/2006/relationships" xmlns:p="http://schemas.openxmlformats.org/presentationml/2006/main">
-  <p:cSld>
-    <p:bg>
-      <p:bgPr>
-        <a:blipFill rotWithShape="1">
-          <a:blip r:embed="rId2">
-            <a:duotone>
-              <a:schemeClr val="bg2">
-                <a:shade val="80000"/>
-                <a:lumMod val="80000"/>
-              </a:schemeClr>
-              <a:schemeClr val="bg2">
-                <a:tint val="98000"/>
-              </a:schemeClr>
-            </a:duotone>
-          </a:blip>
-          <a:stretch/>
-        </a:blipFill>
-        <a:effectLst/>
-      </p:bgPr>
-    </p:bg>
-    <p:spTree>
-      <p:nvGrpSpPr>
-        <p:cNvPr id="1" name=""/>
-        <p:cNvGrpSpPr/>
-        <p:nvPr/>
-      </p:nvGrpSpPr>
-      <p:grpSpPr>
-        <a:xfrm>
-          <a:off x="0" y="0"/>
-          <a:ext cx="0" cy="0"/>
-          <a:chOff x="0" y="0"/>
-          <a:chExt cx="0" cy="0"/>
-        </a:xfrm>
-      </p:grpSpPr>
-      <p:pic>
-        <p:nvPicPr>
-          <p:cNvPr id="21" name="Picture 20" descr="A picture containing clothing, person, headdress, baseball&#10;&#10;Description automatically generated">
-            <a:extLst>
-              <a:ext uri="{FF2B5EF4-FFF2-40B4-BE49-F238E27FC236}">
-                <a16:creationId xmlns:a16="http://schemas.microsoft.com/office/drawing/2014/main" id="{68BA132B-EA3B-4DFB-BEF2-04F4ACB3B027}"/>
-              </a:ext>
-            </a:extLst>
-          </p:cNvPr>
-          <p:cNvPicPr>
-            <a:picLocks noChangeAspect="1"/>
-          </p:cNvPicPr>
-          <p:nvPr/>
-        </p:nvPicPr>
-        <p:blipFill rotWithShape="1">
-          <a:blip r:embed="rId3">
-            <a:extLst>
-              <a:ext uri="{BEBA8EAE-BF5A-486C-A8C5-ECC9F3942E4B}">
-                <a14:imgProps xmlns:a14="http://schemas.microsoft.com/office/drawing/2010/main">
-                  <a14:imgLayer r:embed="rId4">
-                    <a14:imgEffect>
-                      <a14:colorTemperature colorTemp="11151"/>
-                    </a14:imgEffect>
-                    <a14:imgEffect>
-                      <a14:saturation sat="0"/>
-                    </a14:imgEffect>
-                  </a14:imgLayer>
-                </a14:imgProps>
-              </a:ext>
-              <a:ext uri="{28A0092B-C50C-407E-A947-70E740481C1C}">
-                <a14:useLocalDpi xmlns:a14="http://schemas.microsoft.com/office/drawing/2010/main" val="0"/>
-              </a:ext>
-            </a:extLst>
-          </a:blip>
-          <a:srcRect r="3" b="7624"/>
-          <a:stretch/>
-        </p:blipFill>
-        <p:spPr>
-          <a:xfrm>
-            <a:off x="-1051136" y="3119615"/>
-            <a:ext cx="4065464" cy="3258005"/>
-          </a:xfrm>
-          <a:prstGeom prst="rect">
-            <a:avLst/>
-          </a:prstGeom>
-        </p:spPr>
-      </p:pic>
-      <p:sp>
-        <p:nvSpPr>
-          <p:cNvPr id="41" name="Rectangle 40">
-            <a:extLst>
-              <a:ext uri="{FF2B5EF4-FFF2-40B4-BE49-F238E27FC236}">
-                <a16:creationId xmlns:a16="http://schemas.microsoft.com/office/drawing/2014/main" id="{7BDB8227-827C-484D-95AA-05C24716BEB4}"/>
-              </a:ext>
-            </a:extLst>
-          </p:cNvPr>
-          <p:cNvSpPr/>
-          <p:nvPr/>
-        </p:nvSpPr>
-        <p:spPr>
-          <a:xfrm>
-            <a:off x="1911020" y="528506"/>
-            <a:ext cx="6928179" cy="813912"/>
-          </a:xfrm>
-          <a:prstGeom prst="rect">
-            <a:avLst/>
-          </a:prstGeom>
-          <a:solidFill>
-            <a:srgbClr val="D34817"/>
-          </a:solidFill>
-        </p:spPr>
-        <p:style>
-          <a:lnRef idx="2">
-            <a:schemeClr val="accent1">
-              <a:shade val="50000"/>
-            </a:schemeClr>
-          </a:lnRef>
-          <a:fillRef idx="1">
-            <a:schemeClr val="accent1"/>
-          </a:fillRef>
-          <a:effectRef idx="0">
-            <a:schemeClr val="accent1"/>
-          </a:effectRef>
-          <a:fontRef idx="minor">
-            <a:schemeClr val="lt1"/>
-          </a:fontRef>
-        </p:style>
-        <p:txBody>
-          <a:bodyPr rtlCol="0" anchor="ctr"/>
-          <a:lstStyle/>
-          <a:p>
-            <a:pPr algn="ctr"/>
-            <a:endParaRPr lang="en-US">
-              <a:solidFill>
-                <a:srgbClr val="A6A1A1"/>
-              </a:solidFill>
-            </a:endParaRPr>
-          </a:p>
-        </p:txBody>
-      </p:sp>
-      <p:sp>
-        <p:nvSpPr>
-          <p:cNvPr id="4" name="Title 3">
-            <a:extLst>
-              <a:ext uri="{FF2B5EF4-FFF2-40B4-BE49-F238E27FC236}">
-                <a16:creationId xmlns:a16="http://schemas.microsoft.com/office/drawing/2014/main" id="{4A6C2FBC-B0EB-45C1-9469-C4F6741ECB31}"/>
-              </a:ext>
-            </a:extLst>
-          </p:cNvPr>
-          <p:cNvSpPr>
-            <a:spLocks noGrp="1"/>
-          </p:cNvSpPr>
-          <p:nvPr>
-            <p:ph type="title"/>
-          </p:nvPr>
-        </p:nvSpPr>
-        <p:spPr>
-          <a:xfrm>
-            <a:off x="1911020" y="428653"/>
-            <a:ext cx="6928179" cy="970450"/>
-          </a:xfrm>
-          <a:effectLst>
-            <a:outerShdw blurRad="25400" dir="17880000">
-              <a:srgbClr val="000000">
-                <a:alpha val="70000"/>
-              </a:srgbClr>
-            </a:outerShdw>
-          </a:effectLst>
-        </p:spPr>
-        <p:txBody>
-          <a:bodyPr>
-            <a:normAutofit/>
-          </a:bodyPr>
-          <a:lstStyle/>
-          <a:p>
-            <a:pPr algn="l"/>
-            <a:r>
-              <a:rPr lang="en-US" sz="3600" dirty="0">
-                <a:ln>
-                  <a:noFill/>
-                </a:ln>
-                <a:solidFill>
-                  <a:schemeClr val="bg2">
-                    <a:lumMod val="10000"/>
-                    <a:lumOff val="90000"/>
-                  </a:schemeClr>
-                </a:solidFill>
-                <a:effectLst/>
-                <a:latin typeface="Selawik Semibold" panose="020B0702040204020203" pitchFamily="34" charset="0"/>
-              </a:rPr>
-              <a:t>Football States and Values</a:t>
-            </a:r>
-          </a:p>
-        </p:txBody>
-      </p:sp>
-      <p:sp>
-        <p:nvSpPr>
-          <p:cNvPr id="24" name="Content Placeholder 2">
-            <a:extLst>
-              <a:ext uri="{FF2B5EF4-FFF2-40B4-BE49-F238E27FC236}">
-                <a16:creationId xmlns:a16="http://schemas.microsoft.com/office/drawing/2014/main" id="{52313B83-B214-43D7-AC39-182CE4FA3E53}"/>
-              </a:ext>
-            </a:extLst>
-          </p:cNvPr>
-          <p:cNvSpPr>
-            <a:spLocks noGrp="1"/>
-          </p:cNvSpPr>
-          <p:nvPr>
-            <p:ph idx="1"/>
-          </p:nvPr>
-        </p:nvSpPr>
-        <p:spPr>
-          <a:xfrm>
-            <a:off x="2283153" y="1490925"/>
-            <a:ext cx="9673495" cy="4838569"/>
-          </a:xfrm>
-        </p:spPr>
-        <p:txBody>
-          <a:bodyPr numCol="1" anchor="t">
-            <a:noAutofit/>
-          </a:bodyPr>
-          <a:lstStyle/>
-          <a:p>
-            <a:pPr marL="0" indent="0">
-              <a:spcBef>
-                <a:spcPts val="0"/>
-              </a:spcBef>
-              <a:spcAft>
-                <a:spcPts val="0"/>
-              </a:spcAft>
-              <a:buClr>
-                <a:srgbClr val="D34817"/>
-              </a:buClr>
-              <a:buSzPct val="100000"/>
-              <a:buFont typeface="Wingdings" panose="05000000000000000000" pitchFamily="2" charset="2"/>
-              <a:buChar char="v"/>
-            </a:pPr>
-            <a:r>
-              <a:rPr lang="en-US" sz="2400" dirty="0">
-                <a:solidFill>
-                  <a:schemeClr val="bg2">
-                    <a:lumMod val="10000"/>
-                    <a:lumOff val="90000"/>
-                  </a:schemeClr>
-                </a:solidFill>
-                <a:effectLst/>
-                <a:latin typeface="Selawik Semibold" panose="020B0702040204020203" pitchFamily="34" charset="0"/>
-              </a:rPr>
-              <a:t>Estimating Value of Each States</a:t>
-            </a:r>
-          </a:p>
-          <a:p>
-            <a:pPr marL="377100" lvl="1" indent="0">
-              <a:spcBef>
-                <a:spcPts val="0"/>
-              </a:spcBef>
-              <a:spcAft>
-                <a:spcPts val="0"/>
-              </a:spcAft>
-              <a:buClr>
-                <a:srgbClr val="D34817"/>
-              </a:buClr>
-              <a:buSzPct val="100000"/>
-              <a:buFont typeface="Wingdings" panose="05000000000000000000" pitchFamily="2" charset="2"/>
-              <a:buChar char="v"/>
-            </a:pPr>
-            <a:r>
-              <a:rPr lang="en-US" sz="2000" dirty="0">
-                <a:solidFill>
-                  <a:schemeClr val="bg2">
-                    <a:lumMod val="10000"/>
-                    <a:lumOff val="90000"/>
-                  </a:schemeClr>
-                </a:solidFill>
-                <a:effectLst/>
-                <a:latin typeface="Selawik Semibold" panose="020B0702040204020203" pitchFamily="34" charset="0"/>
-              </a:rPr>
-              <a:t>Values Can Be Estimated Through Solving Equations</a:t>
-            </a:r>
-          </a:p>
-          <a:p>
-            <a:pPr marL="377100" lvl="1" indent="0">
-              <a:spcBef>
-                <a:spcPts val="0"/>
-              </a:spcBef>
-              <a:spcAft>
-                <a:spcPts val="0"/>
-              </a:spcAft>
-              <a:buClr>
-                <a:srgbClr val="D34817"/>
-              </a:buClr>
-              <a:buSzPct val="100000"/>
-              <a:buFont typeface="Wingdings" panose="05000000000000000000" pitchFamily="2" charset="2"/>
-              <a:buChar char="v"/>
-            </a:pPr>
-            <a:r>
-              <a:rPr lang="en-US" sz="2000" dirty="0">
-                <a:solidFill>
-                  <a:schemeClr val="bg2">
-                    <a:lumMod val="10000"/>
-                    <a:lumOff val="90000"/>
-                  </a:schemeClr>
-                </a:solidFill>
-                <a:effectLst/>
-                <a:latin typeface="Selawik Semibold" panose="020B0702040204020203" pitchFamily="34" charset="0"/>
-              </a:rPr>
-              <a:t>System Can Be Solved = 5 Variables and 5 Equations</a:t>
-            </a:r>
-          </a:p>
-          <a:p>
-            <a:pPr marL="377100" lvl="1" indent="0">
-              <a:spcBef>
-                <a:spcPts val="0"/>
-              </a:spcBef>
-              <a:spcAft>
-                <a:spcPts val="0"/>
-              </a:spcAft>
-              <a:buClr>
-                <a:srgbClr val="D34817"/>
-              </a:buClr>
-              <a:buSzPct val="100000"/>
-              <a:buFont typeface="Wingdings" panose="05000000000000000000" pitchFamily="2" charset="2"/>
-              <a:buChar char="v"/>
-            </a:pPr>
-            <a:endParaRPr lang="en-US" sz="2000" dirty="0">
-              <a:solidFill>
-                <a:schemeClr val="bg2">
-                  <a:lumMod val="10000"/>
-                  <a:lumOff val="90000"/>
-                </a:schemeClr>
-              </a:solidFill>
-              <a:effectLst/>
-              <a:latin typeface="Selawik Semibold" panose="020B0702040204020203" pitchFamily="34" charset="0"/>
-            </a:endParaRPr>
-          </a:p>
-          <a:p>
-            <a:pPr marL="377100" lvl="1" indent="0">
-              <a:spcBef>
-                <a:spcPts val="0"/>
-              </a:spcBef>
-              <a:spcAft>
-                <a:spcPts val="0"/>
-              </a:spcAft>
-              <a:buClr>
-                <a:srgbClr val="D34817"/>
-              </a:buClr>
-              <a:buSzPct val="100000"/>
-              <a:buFont typeface="Wingdings" panose="05000000000000000000" pitchFamily="2" charset="2"/>
-              <a:buChar char="v"/>
-            </a:pPr>
-            <a:endParaRPr lang="en-US" sz="2000" dirty="0">
-              <a:solidFill>
-                <a:schemeClr val="bg2">
-                  <a:lumMod val="10000"/>
-                  <a:lumOff val="90000"/>
-                </a:schemeClr>
-              </a:solidFill>
-              <a:effectLst/>
-              <a:latin typeface="Selawik Semibold" panose="020B0702040204020203" pitchFamily="34" charset="0"/>
-            </a:endParaRPr>
-          </a:p>
-          <a:p>
-            <a:pPr marL="377100" lvl="1" indent="0">
-              <a:spcBef>
-                <a:spcPts val="0"/>
-              </a:spcBef>
-              <a:spcAft>
-                <a:spcPts val="0"/>
-              </a:spcAft>
-              <a:buClr>
-                <a:srgbClr val="D34817"/>
-              </a:buClr>
-              <a:buSzPct val="100000"/>
-              <a:buFont typeface="Wingdings" panose="05000000000000000000" pitchFamily="2" charset="2"/>
-              <a:buChar char="v"/>
-            </a:pPr>
-            <a:endParaRPr lang="en-US" sz="2000" dirty="0">
-              <a:solidFill>
-                <a:schemeClr val="bg2">
-                  <a:lumMod val="10000"/>
-                  <a:lumOff val="90000"/>
-                </a:schemeClr>
-              </a:solidFill>
-              <a:effectLst/>
-              <a:latin typeface="Selawik Semibold" panose="020B0702040204020203" pitchFamily="34" charset="0"/>
-            </a:endParaRPr>
-          </a:p>
-          <a:p>
-            <a:pPr marL="377100" lvl="1" indent="0">
-              <a:spcBef>
-                <a:spcPts val="0"/>
-              </a:spcBef>
-              <a:spcAft>
-                <a:spcPts val="0"/>
-              </a:spcAft>
-              <a:buClr>
-                <a:srgbClr val="D34817"/>
-              </a:buClr>
-              <a:buSzPct val="100000"/>
-              <a:buFont typeface="Wingdings" panose="05000000000000000000" pitchFamily="2" charset="2"/>
-              <a:buChar char="v"/>
-            </a:pPr>
-            <a:endParaRPr lang="en-US" sz="2000" dirty="0">
-              <a:solidFill>
-                <a:schemeClr val="bg2">
-                  <a:lumMod val="10000"/>
-                  <a:lumOff val="90000"/>
-                </a:schemeClr>
-              </a:solidFill>
-              <a:effectLst/>
-              <a:latin typeface="Selawik Semibold" panose="020B0702040204020203" pitchFamily="34" charset="0"/>
-            </a:endParaRPr>
-          </a:p>
-          <a:p>
-            <a:pPr marL="377100" lvl="1" indent="0">
-              <a:spcBef>
-                <a:spcPts val="0"/>
-              </a:spcBef>
-              <a:spcAft>
-                <a:spcPts val="0"/>
-              </a:spcAft>
-              <a:buClr>
-                <a:srgbClr val="D34817"/>
-              </a:buClr>
-              <a:buSzPct val="100000"/>
-              <a:buFont typeface="Wingdings" panose="05000000000000000000" pitchFamily="2" charset="2"/>
-              <a:buChar char="v"/>
-            </a:pPr>
-            <a:endParaRPr lang="en-US" sz="2000" dirty="0">
-              <a:solidFill>
-                <a:schemeClr val="bg2">
-                  <a:lumMod val="10000"/>
-                  <a:lumOff val="90000"/>
-                </a:schemeClr>
-              </a:solidFill>
-              <a:effectLst/>
-              <a:latin typeface="Selawik Semibold" panose="020B0702040204020203" pitchFamily="34" charset="0"/>
-            </a:endParaRPr>
-          </a:p>
-          <a:p>
-            <a:pPr marL="377100" lvl="1" indent="0">
-              <a:spcBef>
-                <a:spcPts val="0"/>
-              </a:spcBef>
-              <a:spcAft>
-                <a:spcPts val="0"/>
-              </a:spcAft>
-              <a:buClr>
-                <a:srgbClr val="D34817"/>
-              </a:buClr>
-              <a:buSzPct val="100000"/>
-              <a:buFont typeface="Wingdings" panose="05000000000000000000" pitchFamily="2" charset="2"/>
-              <a:buChar char="v"/>
-            </a:pPr>
-            <a:endParaRPr lang="en-US" sz="2000" dirty="0">
-              <a:solidFill>
-                <a:schemeClr val="bg2">
-                  <a:lumMod val="10000"/>
-                  <a:lumOff val="90000"/>
-                </a:schemeClr>
-              </a:solidFill>
-              <a:effectLst/>
-              <a:latin typeface="Selawik Semibold" panose="020B0702040204020203" pitchFamily="34" charset="0"/>
-            </a:endParaRPr>
-          </a:p>
-          <a:p>
-            <a:pPr marL="377100" lvl="1" indent="0">
-              <a:spcBef>
-                <a:spcPts val="0"/>
-              </a:spcBef>
-              <a:spcAft>
-                <a:spcPts val="0"/>
-              </a:spcAft>
-              <a:buClr>
-                <a:srgbClr val="D34817"/>
-              </a:buClr>
-              <a:buSzPct val="100000"/>
-              <a:buFont typeface="Wingdings" panose="05000000000000000000" pitchFamily="2" charset="2"/>
-              <a:buChar char="v"/>
-            </a:pPr>
-            <a:endParaRPr lang="en-US" sz="2000" dirty="0">
-              <a:solidFill>
-                <a:schemeClr val="bg2">
-                  <a:lumMod val="10000"/>
-                  <a:lumOff val="90000"/>
-                </a:schemeClr>
-              </a:solidFill>
-              <a:effectLst/>
-              <a:latin typeface="Selawik Semibold" panose="020B0702040204020203" pitchFamily="34" charset="0"/>
-            </a:endParaRPr>
-          </a:p>
-          <a:p>
-            <a:pPr marL="377100" lvl="1" indent="0">
-              <a:spcBef>
-                <a:spcPts val="0"/>
-              </a:spcBef>
-              <a:spcAft>
-                <a:spcPts val="0"/>
-              </a:spcAft>
-              <a:buClr>
-                <a:srgbClr val="D34817"/>
-              </a:buClr>
-              <a:buSzPct val="100000"/>
-              <a:buFont typeface="Wingdings" panose="05000000000000000000" pitchFamily="2" charset="2"/>
-              <a:buChar char="v"/>
-            </a:pPr>
-            <a:r>
-              <a:rPr lang="en-US" sz="2000" dirty="0">
-                <a:solidFill>
-                  <a:schemeClr val="bg2">
-                    <a:lumMod val="10000"/>
-                    <a:lumOff val="90000"/>
-                  </a:schemeClr>
-                </a:solidFill>
-                <a:effectLst/>
-                <a:latin typeface="Selawik Semibold" panose="020B0702040204020203" pitchFamily="34" charset="0"/>
-              </a:rPr>
-              <a:t>Each Yard Line Increases Expectation by 3.5 Points</a:t>
-            </a:r>
-          </a:p>
-          <a:p>
-            <a:pPr marL="377100" lvl="1" indent="0">
-              <a:spcBef>
-                <a:spcPts val="0"/>
-              </a:spcBef>
-              <a:spcAft>
-                <a:spcPts val="0"/>
-              </a:spcAft>
-              <a:buClr>
-                <a:srgbClr val="D34817"/>
-              </a:buClr>
-              <a:buSzPct val="100000"/>
-              <a:buFont typeface="Wingdings" panose="05000000000000000000" pitchFamily="2" charset="2"/>
-              <a:buChar char="v"/>
-            </a:pPr>
-            <a:r>
-              <a:rPr lang="en-US" sz="2000" dirty="0">
-                <a:solidFill>
-                  <a:schemeClr val="bg2">
-                    <a:lumMod val="10000"/>
-                    <a:lumOff val="90000"/>
-                  </a:schemeClr>
-                </a:solidFill>
-                <a:effectLst/>
-                <a:latin typeface="Selawik Semibold" panose="020B0702040204020203" pitchFamily="34" charset="0"/>
-              </a:rPr>
-              <a:t>Is There Anything Particularly Unusual About This Methodology?</a:t>
-            </a:r>
-          </a:p>
-        </p:txBody>
-      </p:sp>
-      <p:pic>
-        <p:nvPicPr>
-          <p:cNvPr id="40" name="Graphic 39" descr="Football">
-            <a:extLst>
-              <a:ext uri="{FF2B5EF4-FFF2-40B4-BE49-F238E27FC236}">
-                <a16:creationId xmlns:a16="http://schemas.microsoft.com/office/drawing/2014/main" id="{43103FBA-298C-4A8C-8E68-C9DFEB1CFAF5}"/>
-              </a:ext>
-            </a:extLst>
-          </p:cNvPr>
-          <p:cNvPicPr>
-            <a:picLocks noChangeAspect="1"/>
-          </p:cNvPicPr>
-          <p:nvPr/>
-        </p:nvPicPr>
-        <p:blipFill>
-          <a:blip r:embed="rId5">
-            <a:extLst>
-              <a:ext uri="{28A0092B-C50C-407E-A947-70E740481C1C}">
-                <a14:useLocalDpi xmlns:a14="http://schemas.microsoft.com/office/drawing/2010/main" val="0"/>
-              </a:ext>
-              <a:ext uri="{96DAC541-7B7A-43D3-8B79-37D633B846F1}">
-                <asvg:svgBlip xmlns:asvg="http://schemas.microsoft.com/office/drawing/2016/SVG/main" r:embed="rId6"/>
-              </a:ext>
-            </a:extLst>
-          </a:blip>
-          <a:stretch>
-            <a:fillRect/>
-          </a:stretch>
-        </p:blipFill>
-        <p:spPr>
-          <a:xfrm>
-            <a:off x="8917272" y="232079"/>
-            <a:ext cx="1406766" cy="1406766"/>
-          </a:xfrm>
-          <a:prstGeom prst="rect">
-            <a:avLst/>
-          </a:prstGeom>
-        </p:spPr>
-      </p:pic>
-      <p:sp>
-        <p:nvSpPr>
-          <p:cNvPr id="17" name="Rectangle 16">
-            <a:extLst>
-              <a:ext uri="{FF2B5EF4-FFF2-40B4-BE49-F238E27FC236}">
-                <a16:creationId xmlns:a16="http://schemas.microsoft.com/office/drawing/2014/main" id="{5020441A-C920-4B5D-B423-02BDA4A265D5}"/>
-              </a:ext>
-            </a:extLst>
-          </p:cNvPr>
-          <p:cNvSpPr/>
-          <p:nvPr/>
-        </p:nvSpPr>
-        <p:spPr>
-          <a:xfrm>
-            <a:off x="0" y="6363870"/>
-            <a:ext cx="12192000" cy="280807"/>
-          </a:xfrm>
-          <a:prstGeom prst="rect">
-            <a:avLst/>
-          </a:prstGeom>
-          <a:solidFill>
-            <a:srgbClr val="D34817"/>
-          </a:solidFill>
-          <a:ln>
-            <a:noFill/>
-          </a:ln>
-        </p:spPr>
-        <p:style>
-          <a:lnRef idx="2">
-            <a:schemeClr val="accent1">
-              <a:shade val="50000"/>
-            </a:schemeClr>
-          </a:lnRef>
-          <a:fillRef idx="1">
-            <a:schemeClr val="accent1"/>
-          </a:fillRef>
-          <a:effectRef idx="0">
-            <a:schemeClr val="accent1"/>
-          </a:effectRef>
-          <a:fontRef idx="minor">
-            <a:schemeClr val="lt1"/>
-          </a:fontRef>
-        </p:style>
-        <p:txBody>
-          <a:bodyPr rtlCol="0" anchor="ctr"/>
-          <a:lstStyle/>
-          <a:p>
-            <a:pPr algn="ctr"/>
-            <a:endParaRPr lang="en-US"/>
-          </a:p>
-        </p:txBody>
-      </p:sp>
-      <p:sp>
-        <p:nvSpPr>
-          <p:cNvPr id="43" name="Rectangle 42">
-            <a:extLst>
-              <a:ext uri="{FF2B5EF4-FFF2-40B4-BE49-F238E27FC236}">
-                <a16:creationId xmlns:a16="http://schemas.microsoft.com/office/drawing/2014/main" id="{50A0A4F6-DDDF-466F-B88A-4EAD2319B32D}"/>
-              </a:ext>
-            </a:extLst>
-          </p:cNvPr>
-          <p:cNvSpPr/>
-          <p:nvPr/>
-        </p:nvSpPr>
-        <p:spPr>
-          <a:xfrm>
-            <a:off x="10402110" y="528506"/>
-            <a:ext cx="1789889" cy="813912"/>
-          </a:xfrm>
-          <a:prstGeom prst="rect">
-            <a:avLst/>
-          </a:prstGeom>
-          <a:solidFill>
-            <a:srgbClr val="D34817"/>
-          </a:solidFill>
-        </p:spPr>
-        <p:style>
-          <a:lnRef idx="2">
-            <a:schemeClr val="accent1">
-              <a:shade val="50000"/>
-            </a:schemeClr>
-          </a:lnRef>
-          <a:fillRef idx="1">
-            <a:schemeClr val="accent1"/>
-          </a:fillRef>
-          <a:effectRef idx="0">
-            <a:schemeClr val="accent1"/>
-          </a:effectRef>
-          <a:fontRef idx="minor">
-            <a:schemeClr val="lt1"/>
-          </a:fontRef>
-        </p:style>
-        <p:txBody>
-          <a:bodyPr rtlCol="0" anchor="ctr"/>
-          <a:lstStyle/>
-          <a:p>
-            <a:pPr algn="ctr"/>
-            <a:endParaRPr lang="en-US"/>
-          </a:p>
-        </p:txBody>
-      </p:sp>
-      <p:sp>
-        <p:nvSpPr>
-          <p:cNvPr id="46" name="Rectangle 45">
-            <a:extLst>
-              <a:ext uri="{FF2B5EF4-FFF2-40B4-BE49-F238E27FC236}">
-                <a16:creationId xmlns:a16="http://schemas.microsoft.com/office/drawing/2014/main" id="{4E8668F5-2350-4974-AA4D-876D0CD42EDD}"/>
-              </a:ext>
-            </a:extLst>
-          </p:cNvPr>
-          <p:cNvSpPr/>
-          <p:nvPr/>
-        </p:nvSpPr>
-        <p:spPr>
-          <a:xfrm>
-            <a:off x="-112743" y="528506"/>
-            <a:ext cx="470541" cy="813912"/>
-          </a:xfrm>
-          <a:prstGeom prst="rect">
-            <a:avLst/>
-          </a:prstGeom>
-          <a:solidFill>
-            <a:srgbClr val="D34817"/>
-          </a:solidFill>
-        </p:spPr>
-        <p:style>
-          <a:lnRef idx="2">
-            <a:schemeClr val="accent1">
-              <a:shade val="50000"/>
-            </a:schemeClr>
-          </a:lnRef>
-          <a:fillRef idx="1">
-            <a:schemeClr val="accent1"/>
-          </a:fillRef>
-          <a:effectRef idx="0">
-            <a:schemeClr val="accent1"/>
-          </a:effectRef>
-          <a:fontRef idx="minor">
-            <a:schemeClr val="lt1"/>
-          </a:fontRef>
-        </p:style>
-        <p:txBody>
-          <a:bodyPr rtlCol="0" anchor="ctr"/>
-          <a:lstStyle/>
-          <a:p>
-            <a:pPr algn="ctr"/>
-            <a:endParaRPr lang="en-US"/>
-          </a:p>
-        </p:txBody>
-      </p:sp>
-      <p:pic>
-        <p:nvPicPr>
-          <p:cNvPr id="47" name="Graphic 46" descr="Football">
-            <a:extLst>
-              <a:ext uri="{FF2B5EF4-FFF2-40B4-BE49-F238E27FC236}">
-                <a16:creationId xmlns:a16="http://schemas.microsoft.com/office/drawing/2014/main" id="{BBBD34EB-97F5-4783-BE1A-4ADD4D05EBF0}"/>
-              </a:ext>
-            </a:extLst>
-          </p:cNvPr>
-          <p:cNvPicPr>
-            <a:picLocks noChangeAspect="1"/>
-          </p:cNvPicPr>
-          <p:nvPr/>
-        </p:nvPicPr>
-        <p:blipFill>
-          <a:blip r:embed="rId5">
-            <a:extLst>
-              <a:ext uri="{28A0092B-C50C-407E-A947-70E740481C1C}">
-                <a14:useLocalDpi xmlns:a14="http://schemas.microsoft.com/office/drawing/2010/main" val="0"/>
-              </a:ext>
-              <a:ext uri="{96DAC541-7B7A-43D3-8B79-37D633B846F1}">
-                <asvg:svgBlip xmlns:asvg="http://schemas.microsoft.com/office/drawing/2016/SVG/main" r:embed="rId6"/>
-              </a:ext>
-            </a:extLst>
-          </a:blip>
-          <a:stretch>
-            <a:fillRect/>
-          </a:stretch>
-        </p:blipFill>
-        <p:spPr>
-          <a:xfrm>
-            <a:off x="426182" y="210495"/>
-            <a:ext cx="1406766" cy="1406766"/>
-          </a:xfrm>
-          <a:prstGeom prst="rect">
-            <a:avLst/>
-          </a:prstGeom>
-        </p:spPr>
-      </p:pic>
-      <mc:AlternateContent xmlns:mc="http://schemas.openxmlformats.org/markup-compatibility/2006" xmlns:a14="http://schemas.microsoft.com/office/drawing/2010/main">
-        <mc:Choice Requires="a14">
-          <p:sp>
-            <p:nvSpPr>
-              <p:cNvPr id="12" name="TextBox 11">
-                <a:extLst>
-                  <a:ext uri="{FF2B5EF4-FFF2-40B4-BE49-F238E27FC236}">
-                    <a16:creationId xmlns:a16="http://schemas.microsoft.com/office/drawing/2014/main" id="{74925DE6-BF89-4DB5-9581-1C5BC6B756BD}"/>
-                  </a:ext>
-                </a:extLst>
-              </p:cNvPr>
-              <p:cNvSpPr txBox="1"/>
-              <p:nvPr/>
-            </p:nvSpPr>
-            <p:spPr>
-              <a:xfrm>
-                <a:off x="2920424" y="2566784"/>
-                <a:ext cx="3526676" cy="1938992"/>
-              </a:xfrm>
-              <a:prstGeom prst="rect">
-                <a:avLst/>
-              </a:prstGeom>
-              <a:noFill/>
-            </p:spPr>
-            <p:txBody>
-              <a:bodyPr wrap="square" rtlCol="0">
-                <a:spAutoFit/>
-              </a:bodyPr>
-              <a:lstStyle/>
-              <a:p>
-                <a:pPr/>
-                <a14:m>
-                  <m:oMathPara xmlns:m="http://schemas.openxmlformats.org/officeDocument/2006/math">
-                    <m:oMathParaPr>
-                      <m:jc m:val="left"/>
-                    </m:oMathParaPr>
-                    <m:oMath xmlns:m="http://schemas.openxmlformats.org/officeDocument/2006/math">
-                      <m:sSub>
-                        <m:sSubPr>
-                          <m:ctrlPr>
-                            <a:rPr lang="en-US" sz="2400" b="0" i="1" smtClean="0">
-                              <a:latin typeface="Cambria Math" panose="02040503050406030204" pitchFamily="18" charset="0"/>
-                            </a:rPr>
-                          </m:ctrlPr>
-                        </m:sSubPr>
-                        <m:e>
-                          <m:r>
-                            <a:rPr lang="en-US" sz="2400" b="0" i="1" smtClean="0">
-                              <a:latin typeface="Cambria Math" panose="02040503050406030204" pitchFamily="18" charset="0"/>
-                            </a:rPr>
-                            <m:t>𝑉</m:t>
-                          </m:r>
-                        </m:e>
-                        <m:sub>
-                          <m:r>
-                            <a:rPr lang="en-US" sz="2400" b="0" i="1" smtClean="0">
-                              <a:latin typeface="Cambria Math" panose="02040503050406030204" pitchFamily="18" charset="0"/>
-                            </a:rPr>
-                            <m:t>1</m:t>
-                          </m:r>
-                        </m:sub>
-                      </m:sSub>
-                      <m:r>
-                        <a:rPr lang="en-US" sz="2400" b="0" i="1" smtClean="0">
-                          <a:latin typeface="Cambria Math" panose="02040503050406030204" pitchFamily="18" charset="0"/>
-                        </a:rPr>
-                        <m:t>=−5.25</m:t>
-                      </m:r>
-                    </m:oMath>
-                  </m:oMathPara>
-                </a14:m>
-                <a:endParaRPr lang="en-US" sz="2400" dirty="0"/>
-              </a:p>
-              <a:p>
-                <a:pPr/>
-                <a14:m>
-                  <m:oMathPara xmlns:m="http://schemas.openxmlformats.org/officeDocument/2006/math">
-                    <m:oMathParaPr>
-                      <m:jc m:val="left"/>
-                    </m:oMathParaPr>
-                    <m:oMath xmlns:m="http://schemas.openxmlformats.org/officeDocument/2006/math">
-                      <m:sSub>
-                        <m:sSubPr>
-                          <m:ctrlPr>
-                            <a:rPr lang="en-US" sz="2400" i="1">
-                              <a:latin typeface="Cambria Math" panose="02040503050406030204" pitchFamily="18" charset="0"/>
-                            </a:rPr>
-                          </m:ctrlPr>
-                        </m:sSubPr>
-                        <m:e>
-                          <m:r>
-                            <a:rPr lang="en-US" sz="2400" i="1">
-                              <a:latin typeface="Cambria Math" panose="02040503050406030204" pitchFamily="18" charset="0"/>
-                            </a:rPr>
-                            <m:t>𝑉</m:t>
-                          </m:r>
-                        </m:e>
-                        <m:sub>
-                          <m:r>
-                            <a:rPr lang="en-US" sz="2400" b="0" i="1" smtClean="0">
-                              <a:latin typeface="Cambria Math" panose="02040503050406030204" pitchFamily="18" charset="0"/>
-                            </a:rPr>
-                            <m:t>2</m:t>
-                          </m:r>
-                        </m:sub>
-                      </m:sSub>
-                      <m:r>
-                        <a:rPr lang="en-US" sz="2400" i="1">
-                          <a:latin typeface="Cambria Math" panose="02040503050406030204" pitchFamily="18" charset="0"/>
-                        </a:rPr>
-                        <m:t>=</m:t>
-                      </m:r>
-                      <m:r>
-                        <a:rPr lang="en-US" sz="2400" b="0" i="1" smtClean="0">
-                          <a:latin typeface="Cambria Math" panose="02040503050406030204" pitchFamily="18" charset="0"/>
-                        </a:rPr>
-                        <m:t>−1.75</m:t>
-                      </m:r>
-                    </m:oMath>
-                  </m:oMathPara>
-                </a14:m>
-                <a:endParaRPr lang="en-US" sz="2400" dirty="0"/>
-              </a:p>
-              <a:p>
-                <a:pPr/>
-                <a14:m>
-                  <m:oMathPara xmlns:m="http://schemas.openxmlformats.org/officeDocument/2006/math">
-                    <m:oMathParaPr>
-                      <m:jc m:val="left"/>
-                    </m:oMathParaPr>
-                    <m:oMath xmlns:m="http://schemas.openxmlformats.org/officeDocument/2006/math">
-                      <m:sSub>
-                        <m:sSubPr>
-                          <m:ctrlPr>
-                            <a:rPr lang="en-US" sz="2400" i="1">
-                              <a:latin typeface="Cambria Math" panose="02040503050406030204" pitchFamily="18" charset="0"/>
-                            </a:rPr>
-                          </m:ctrlPr>
-                        </m:sSubPr>
-                        <m:e>
-                          <m:r>
-                            <a:rPr lang="en-US" sz="2400" i="1">
-                              <a:latin typeface="Cambria Math" panose="02040503050406030204" pitchFamily="18" charset="0"/>
-                            </a:rPr>
-                            <m:t>𝑉</m:t>
-                          </m:r>
-                        </m:e>
-                        <m:sub>
-                          <m:r>
-                            <a:rPr lang="en-US" sz="2400" b="0" i="1" smtClean="0">
-                              <a:latin typeface="Cambria Math" panose="02040503050406030204" pitchFamily="18" charset="0"/>
-                            </a:rPr>
-                            <m:t>3</m:t>
-                          </m:r>
-                        </m:sub>
-                      </m:sSub>
-                      <m:r>
-                        <a:rPr lang="en-US" sz="2400" i="1">
-                          <a:latin typeface="Cambria Math" panose="02040503050406030204" pitchFamily="18" charset="0"/>
-                        </a:rPr>
-                        <m:t>=</m:t>
-                      </m:r>
-                      <m:r>
-                        <a:rPr lang="en-US" sz="2400" i="1" smtClean="0">
-                          <a:latin typeface="Cambria Math" panose="02040503050406030204" pitchFamily="18" charset="0"/>
-                        </a:rPr>
-                        <m:t>1</m:t>
-                      </m:r>
-                      <m:r>
-                        <a:rPr lang="en-US" sz="2400" b="0" i="1" smtClean="0">
-                          <a:latin typeface="Cambria Math" panose="02040503050406030204" pitchFamily="18" charset="0"/>
-                        </a:rPr>
-                        <m:t>.75</m:t>
-                      </m:r>
-                    </m:oMath>
-                  </m:oMathPara>
-                </a14:m>
-                <a:endParaRPr lang="en-US" sz="2400" dirty="0"/>
-              </a:p>
-              <a:p>
-                <a:pPr/>
-                <a14:m>
-                  <m:oMathPara xmlns:m="http://schemas.openxmlformats.org/officeDocument/2006/math">
-                    <m:oMathParaPr>
-                      <m:jc m:val="left"/>
-                    </m:oMathParaPr>
-                    <m:oMath xmlns:m="http://schemas.openxmlformats.org/officeDocument/2006/math">
-                      <m:sSub>
-                        <m:sSubPr>
-                          <m:ctrlPr>
-                            <a:rPr lang="en-US" sz="2400" i="1">
-                              <a:latin typeface="Cambria Math" panose="02040503050406030204" pitchFamily="18" charset="0"/>
-                            </a:rPr>
-                          </m:ctrlPr>
-                        </m:sSubPr>
-                        <m:e>
-                          <m:r>
-                            <a:rPr lang="en-US" sz="2400" i="1">
-                              <a:latin typeface="Cambria Math" panose="02040503050406030204" pitchFamily="18" charset="0"/>
-                            </a:rPr>
-                            <m:t>𝑉</m:t>
-                          </m:r>
-                        </m:e>
-                        <m:sub>
-                          <m:r>
-                            <a:rPr lang="en-US" sz="2400" b="0" i="1" smtClean="0">
-                              <a:latin typeface="Cambria Math" panose="02040503050406030204" pitchFamily="18" charset="0"/>
-                            </a:rPr>
-                            <m:t>4</m:t>
-                          </m:r>
-                        </m:sub>
-                      </m:sSub>
-                      <m:r>
-                        <a:rPr lang="en-US" sz="2400" i="1">
-                          <a:latin typeface="Cambria Math" panose="02040503050406030204" pitchFamily="18" charset="0"/>
-                        </a:rPr>
-                        <m:t>=</m:t>
-                      </m:r>
-                      <m:r>
-                        <a:rPr lang="en-US" sz="2400" b="0" i="1" smtClean="0">
-                          <a:latin typeface="Cambria Math" panose="02040503050406030204" pitchFamily="18" charset="0"/>
-                        </a:rPr>
-                        <m:t>5.25</m:t>
-                      </m:r>
-                    </m:oMath>
-                  </m:oMathPara>
-                </a14:m>
-                <a:endParaRPr lang="en-US" sz="2400" dirty="0"/>
-              </a:p>
-              <a:p>
-                <a:pPr/>
-                <a14:m>
-                  <m:oMathPara xmlns:m="http://schemas.openxmlformats.org/officeDocument/2006/math">
-                    <m:oMathParaPr>
-                      <m:jc m:val="left"/>
-                    </m:oMathParaPr>
-                    <m:oMath xmlns:m="http://schemas.openxmlformats.org/officeDocument/2006/math">
-                      <m:sSub>
-                        <m:sSubPr>
-                          <m:ctrlPr>
-                            <a:rPr lang="en-US" sz="2400" i="1">
-                              <a:latin typeface="Cambria Math" panose="02040503050406030204" pitchFamily="18" charset="0"/>
-                            </a:rPr>
-                          </m:ctrlPr>
-                        </m:sSubPr>
-                        <m:e>
-                          <m:r>
-                            <a:rPr lang="en-US" sz="2400" i="1">
-                              <a:latin typeface="Cambria Math" panose="02040503050406030204" pitchFamily="18" charset="0"/>
-                            </a:rPr>
-                            <m:t>𝑉</m:t>
-                          </m:r>
-                        </m:e>
-                        <m:sub>
-                          <m:r>
-                            <a:rPr lang="en-US" sz="2400" b="0" i="1" smtClean="0">
-                              <a:latin typeface="Cambria Math" panose="02040503050406030204" pitchFamily="18" charset="0"/>
-                            </a:rPr>
-                            <m:t>5</m:t>
-                          </m:r>
-                        </m:sub>
-                      </m:sSub>
-                      <m:r>
-                        <a:rPr lang="en-US" sz="2400" i="1">
-                          <a:latin typeface="Cambria Math" panose="02040503050406030204" pitchFamily="18" charset="0"/>
-                        </a:rPr>
-                        <m:t>=</m:t>
-                      </m:r>
-                      <m:r>
-                        <a:rPr lang="en-US" sz="2400" i="1" smtClean="0">
-                          <a:latin typeface="Cambria Math" panose="02040503050406030204" pitchFamily="18" charset="0"/>
-                        </a:rPr>
-                        <m:t>8</m:t>
-                      </m:r>
-                      <m:r>
-                        <a:rPr lang="en-US" sz="2400" b="0" i="1" smtClean="0">
-                          <a:latin typeface="Cambria Math" panose="02040503050406030204" pitchFamily="18" charset="0"/>
-                        </a:rPr>
-                        <m:t>.75</m:t>
-                      </m:r>
-                    </m:oMath>
-                  </m:oMathPara>
-                </a14:m>
-                <a:endParaRPr lang="en-US" sz="2400" dirty="0"/>
-              </a:p>
-            </p:txBody>
-          </p:sp>
-        </mc:Choice>
-        <mc:Fallback xmlns="">
-          <p:sp>
-            <p:nvSpPr>
-              <p:cNvPr id="12" name="TextBox 11">
-                <a:extLst>
-                  <a:ext uri="{FF2B5EF4-FFF2-40B4-BE49-F238E27FC236}">
-                    <a16:creationId xmlns:a16="http://schemas.microsoft.com/office/drawing/2014/main" id="{74925DE6-BF89-4DB5-9581-1C5BC6B756BD}"/>
-                  </a:ext>
-                </a:extLst>
-              </p:cNvPr>
-              <p:cNvSpPr txBox="1">
-                <a:spLocks noRot="1" noChangeAspect="1" noMove="1" noResize="1" noEditPoints="1" noAdjustHandles="1" noChangeArrowheads="1" noChangeShapeType="1" noTextEdit="1"/>
-              </p:cNvSpPr>
-              <p:nvPr/>
-            </p:nvSpPr>
-            <p:spPr>
-              <a:xfrm>
-                <a:off x="2920424" y="2566784"/>
-                <a:ext cx="3526676" cy="1938992"/>
-              </a:xfrm>
-              <a:prstGeom prst="rect">
-                <a:avLst/>
-              </a:prstGeom>
-              <a:blipFill>
-                <a:blip r:embed="rId7"/>
-                <a:stretch>
-                  <a:fillRect l="-345"/>
-                </a:stretch>
-              </a:blipFill>
-            </p:spPr>
-            <p:txBody>
-              <a:bodyPr/>
-              <a:lstStyle/>
-              <a:p>
-                <a:r>
-                  <a:rPr lang="en-US">
-                    <a:noFill/>
-                  </a:rPr>
-                  <a:t> </a:t>
-                </a:r>
-              </a:p>
-            </p:txBody>
-          </p:sp>
-        </mc:Fallback>
-      </mc:AlternateContent>
-      <p:pic>
-        <p:nvPicPr>
-          <p:cNvPr id="20" name="Picture 19">
-            <a:extLst>
-              <a:ext uri="{FF2B5EF4-FFF2-40B4-BE49-F238E27FC236}">
-                <a16:creationId xmlns:a16="http://schemas.microsoft.com/office/drawing/2014/main" id="{13A9025C-C89B-4C5C-ADB5-4667F3E2D9C7}"/>
-              </a:ext>
-            </a:extLst>
-          </p:cNvPr>
-          <p:cNvPicPr>
-            <a:picLocks noChangeAspect="1"/>
-          </p:cNvPicPr>
-          <p:nvPr/>
-        </p:nvPicPr>
-        <p:blipFill>
-          <a:blip r:embed="rId8"/>
-          <a:stretch>
-            <a:fillRect/>
-          </a:stretch>
-        </p:blipFill>
-        <p:spPr>
-          <a:xfrm>
-            <a:off x="3014328" y="5671226"/>
-            <a:ext cx="9001165" cy="425587"/>
-          </a:xfrm>
-          <a:prstGeom prst="rect">
-            <a:avLst/>
-          </a:prstGeom>
-          <a:ln w="38100">
-            <a:solidFill>
-              <a:srgbClr val="D34817"/>
-            </a:solidFill>
-          </a:ln>
-        </p:spPr>
-      </p:pic>
-    </p:spTree>
-    <p:extLst>
-      <p:ext uri="{BB962C8B-B14F-4D97-AF65-F5344CB8AC3E}">
-        <p14:creationId xmlns:p14="http://schemas.microsoft.com/office/powerpoint/2010/main" val="3103450426"/>
       </p:ext>
     </p:extLst>
   </p:cSld>
